--- a/nodejs-basics-03.pptx
+++ b/nodejs-basics-03.pptx
@@ -5,17 +5,25 @@
     <p:sldMasterId id="2147483705" r:id="rId1"/>
   </p:sldMasterIdLst>
   <p:notesMasterIdLst>
-    <p:notesMasterId r:id="rId10"/>
+    <p:notesMasterId r:id="rId18"/>
   </p:notesMasterIdLst>
   <p:sldIdLst>
     <p:sldId id="259" r:id="rId2"/>
-    <p:sldId id="295" r:id="rId3"/>
-    <p:sldId id="293" r:id="rId4"/>
-    <p:sldId id="296" r:id="rId5"/>
-    <p:sldId id="297" r:id="rId6"/>
-    <p:sldId id="298" r:id="rId7"/>
-    <p:sldId id="299" r:id="rId8"/>
-    <p:sldId id="300" r:id="rId9"/>
+    <p:sldId id="293" r:id="rId3"/>
+    <p:sldId id="295" r:id="rId4"/>
+    <p:sldId id="301" r:id="rId5"/>
+    <p:sldId id="303" r:id="rId6"/>
+    <p:sldId id="304" r:id="rId7"/>
+    <p:sldId id="305" r:id="rId8"/>
+    <p:sldId id="306" r:id="rId9"/>
+    <p:sldId id="307" r:id="rId10"/>
+    <p:sldId id="308" r:id="rId11"/>
+    <p:sldId id="302" r:id="rId12"/>
+    <p:sldId id="296" r:id="rId13"/>
+    <p:sldId id="297" r:id="rId14"/>
+    <p:sldId id="298" r:id="rId15"/>
+    <p:sldId id="299" r:id="rId16"/>
+    <p:sldId id="300" r:id="rId17"/>
   </p:sldIdLst>
   <p:sldSz cx="12192000" cy="6858000"/>
   <p:notesSz cx="6858000" cy="9144000"/>
@@ -766,7 +774,7 @@
           <a:p>
             <a:fld id="{0FE84E6F-3671-472C-BE6F-A37BC298F4AB}" type="slidenum">
               <a:rPr lang="en-US" smtClean="0"/>
-              <a:t>3</a:t>
+              <a:t>2</a:t>
             </a:fld>
             <a:endParaRPr lang="en-US"/>
           </a:p>
@@ -6991,6 +6999,1387 @@
 </p:sld>
 </file>
 
+<file path=ppt/slides/slide10.xml><?xml version="1.0" encoding="utf-8"?>
+<p:sld xmlns:a="http://schemas.openxmlformats.org/drawingml/2006/main" xmlns:r="http://schemas.openxmlformats.org/officeDocument/2006/relationships" xmlns:p="http://schemas.openxmlformats.org/presentationml/2006/main">
+  <p:cSld>
+    <p:spTree>
+      <p:nvGrpSpPr>
+        <p:cNvPr id="1" name=""/>
+        <p:cNvGrpSpPr/>
+        <p:nvPr/>
+      </p:nvGrpSpPr>
+      <p:grpSpPr>
+        <a:xfrm>
+          <a:off x="0" y="0"/>
+          <a:ext cx="0" cy="0"/>
+          <a:chOff x="0" y="0"/>
+          <a:chExt cx="0" cy="0"/>
+        </a:xfrm>
+      </p:grpSpPr>
+      <p:sp>
+        <p:nvSpPr>
+          <p:cNvPr id="2" name="Title 1">
+            <a:extLst>
+              <a:ext uri="{FF2B5EF4-FFF2-40B4-BE49-F238E27FC236}">
+                <a16:creationId xmlns:a16="http://schemas.microsoft.com/office/drawing/2014/main" id="{0239FED7-7476-42BA-BB1C-CA25C820FD30}"/>
+              </a:ext>
+            </a:extLst>
+          </p:cNvPr>
+          <p:cNvSpPr>
+            <a:spLocks noGrp="1"/>
+          </p:cNvSpPr>
+          <p:nvPr>
+            <p:ph type="title"/>
+          </p:nvPr>
+        </p:nvSpPr>
+        <p:spPr/>
+        <p:txBody>
+          <a:bodyPr/>
+          <a:lstStyle/>
+          <a:p>
+            <a:r>
+              <a:rPr lang="en-US" dirty="0"/>
+              <a:t>Demo</a:t>
+            </a:r>
+          </a:p>
+        </p:txBody>
+      </p:sp>
+      <p:sp>
+        <p:nvSpPr>
+          <p:cNvPr id="3" name="Content Placeholder 2">
+            <a:extLst>
+              <a:ext uri="{FF2B5EF4-FFF2-40B4-BE49-F238E27FC236}">
+                <a16:creationId xmlns:a16="http://schemas.microsoft.com/office/drawing/2014/main" id="{94471832-DE00-46AC-8594-D2549D40CD4D}"/>
+              </a:ext>
+            </a:extLst>
+          </p:cNvPr>
+          <p:cNvSpPr>
+            <a:spLocks noGrp="1"/>
+          </p:cNvSpPr>
+          <p:nvPr>
+            <p:ph idx="1"/>
+          </p:nvPr>
+        </p:nvSpPr>
+        <p:spPr/>
+        <p:txBody>
+          <a:bodyPr/>
+          <a:lstStyle/>
+          <a:p>
+            <a:r>
+              <a:rPr lang="en-US" sz="2100" dirty="0">
+                <a:latin typeface="Consolas" panose="020B0609020204030204" pitchFamily="49" charset="0"/>
+              </a:rPr>
+              <a:t>npm publish</a:t>
+            </a:r>
+          </a:p>
+          <a:p>
+            <a:r>
+              <a:rPr lang="en-US" sz="2100" dirty="0">
+                <a:latin typeface="Consolas" panose="020B0609020204030204" pitchFamily="49" charset="0"/>
+              </a:rPr>
+              <a:t>npm version [</a:t>
+            </a:r>
+            <a:r>
+              <a:rPr lang="en-US" sz="2100" dirty="0" err="1">
+                <a:latin typeface="Consolas" panose="020B0609020204030204" pitchFamily="49" charset="0"/>
+              </a:rPr>
+              <a:t>major|minor|patch</a:t>
+            </a:r>
+            <a:r>
+              <a:rPr lang="en-US" sz="2100" dirty="0">
+                <a:latin typeface="Consolas" panose="020B0609020204030204" pitchFamily="49" charset="0"/>
+              </a:rPr>
+              <a:t>]</a:t>
+            </a:r>
+          </a:p>
+        </p:txBody>
+      </p:sp>
+      <p:sp>
+        <p:nvSpPr>
+          <p:cNvPr id="4" name="Footer Placeholder 3">
+            <a:extLst>
+              <a:ext uri="{FF2B5EF4-FFF2-40B4-BE49-F238E27FC236}">
+                <a16:creationId xmlns:a16="http://schemas.microsoft.com/office/drawing/2014/main" id="{3F2BB1C0-513F-47E0-BF56-685611CD7064}"/>
+              </a:ext>
+            </a:extLst>
+          </p:cNvPr>
+          <p:cNvSpPr>
+            <a:spLocks noGrp="1"/>
+          </p:cNvSpPr>
+          <p:nvPr>
+            <p:ph type="ftr" sz="quarter" idx="11"/>
+          </p:nvPr>
+        </p:nvSpPr>
+        <p:spPr/>
+        <p:txBody>
+          <a:bodyPr/>
+          <a:lstStyle/>
+          <a:p>
+            <a:r>
+              <a:rPr lang="en-US"/>
+              <a:t>Nodejs Basics</a:t>
+            </a:r>
+            <a:endParaRPr lang="en-US" dirty="0"/>
+          </a:p>
+        </p:txBody>
+      </p:sp>
+      <p:sp>
+        <p:nvSpPr>
+          <p:cNvPr id="5" name="Slide Number Placeholder 4">
+            <a:extLst>
+              <a:ext uri="{FF2B5EF4-FFF2-40B4-BE49-F238E27FC236}">
+                <a16:creationId xmlns:a16="http://schemas.microsoft.com/office/drawing/2014/main" id="{19B61EF6-3CBE-4D07-A2A7-E31EF1C51FD2}"/>
+              </a:ext>
+            </a:extLst>
+          </p:cNvPr>
+          <p:cNvSpPr>
+            <a:spLocks noGrp="1"/>
+          </p:cNvSpPr>
+          <p:nvPr>
+            <p:ph type="sldNum" sz="quarter" idx="12"/>
+          </p:nvPr>
+        </p:nvSpPr>
+        <p:spPr/>
+        <p:txBody>
+          <a:bodyPr/>
+          <a:lstStyle/>
+          <a:p>
+            <a:fld id="{3A98EE3D-8CD1-4C3F-BD1C-C98C9596463C}" type="slidenum">
+              <a:rPr lang="en-US" smtClean="0"/>
+              <a:t>10</a:t>
+            </a:fld>
+            <a:endParaRPr lang="en-US" dirty="0"/>
+          </a:p>
+        </p:txBody>
+      </p:sp>
+    </p:spTree>
+    <p:extLst>
+      <p:ext uri="{BB962C8B-B14F-4D97-AF65-F5344CB8AC3E}">
+        <p14:creationId xmlns:p14="http://schemas.microsoft.com/office/powerpoint/2010/main" val="3840607941"/>
+      </p:ext>
+    </p:extLst>
+  </p:cSld>
+  <p:clrMapOvr>
+    <a:masterClrMapping/>
+  </p:clrMapOvr>
+</p:sld>
+</file>
+
+<file path=ppt/slides/slide11.xml><?xml version="1.0" encoding="utf-8"?>
+<p:sld xmlns:a="http://schemas.openxmlformats.org/drawingml/2006/main" xmlns:r="http://schemas.openxmlformats.org/officeDocument/2006/relationships" xmlns:p="http://schemas.openxmlformats.org/presentationml/2006/main">
+  <p:cSld>
+    <p:spTree>
+      <p:nvGrpSpPr>
+        <p:cNvPr id="1" name=""/>
+        <p:cNvGrpSpPr/>
+        <p:nvPr/>
+      </p:nvGrpSpPr>
+      <p:grpSpPr>
+        <a:xfrm>
+          <a:off x="0" y="0"/>
+          <a:ext cx="0" cy="0"/>
+          <a:chOff x="0" y="0"/>
+          <a:chExt cx="0" cy="0"/>
+        </a:xfrm>
+      </p:grpSpPr>
+      <p:sp>
+        <p:nvSpPr>
+          <p:cNvPr id="2" name="Title 1">
+            <a:extLst>
+              <a:ext uri="{FF2B5EF4-FFF2-40B4-BE49-F238E27FC236}">
+                <a16:creationId xmlns:a16="http://schemas.microsoft.com/office/drawing/2014/main" id="{E40F514D-DAD8-48A6-B9EB-239A2C63DF2D}"/>
+              </a:ext>
+            </a:extLst>
+          </p:cNvPr>
+          <p:cNvSpPr>
+            <a:spLocks noGrp="1"/>
+          </p:cNvSpPr>
+          <p:nvPr>
+            <p:ph type="title"/>
+          </p:nvPr>
+        </p:nvSpPr>
+        <p:spPr/>
+        <p:txBody>
+          <a:bodyPr/>
+          <a:lstStyle/>
+          <a:p>
+            <a:r>
+              <a:rPr lang="en-US" dirty="0"/>
+              <a:t>Asynchronous js</a:t>
+            </a:r>
+          </a:p>
+        </p:txBody>
+      </p:sp>
+      <p:sp>
+        <p:nvSpPr>
+          <p:cNvPr id="3" name="Content Placeholder 2">
+            <a:extLst>
+              <a:ext uri="{FF2B5EF4-FFF2-40B4-BE49-F238E27FC236}">
+                <a16:creationId xmlns:a16="http://schemas.microsoft.com/office/drawing/2014/main" id="{93B21C2B-0BFD-4786-848C-FDE002922895}"/>
+              </a:ext>
+            </a:extLst>
+          </p:cNvPr>
+          <p:cNvSpPr>
+            <a:spLocks noGrp="1"/>
+          </p:cNvSpPr>
+          <p:nvPr>
+            <p:ph idx="1"/>
+          </p:nvPr>
+        </p:nvSpPr>
+        <p:spPr/>
+        <p:txBody>
+          <a:bodyPr/>
+          <a:lstStyle/>
+          <a:p>
+            <a:r>
+              <a:rPr lang="en-US" dirty="0"/>
+              <a:t>It’s better to dive into demos </a:t>
+            </a:r>
+            <a:r>
+              <a:rPr lang="en-US" dirty="0">
+                <a:sym typeface="Wingdings" panose="05000000000000000000" pitchFamily="2" charset="2"/>
+              </a:rPr>
+              <a:t></a:t>
+            </a:r>
+            <a:endParaRPr lang="en-US" dirty="0"/>
+          </a:p>
+        </p:txBody>
+      </p:sp>
+      <p:sp>
+        <p:nvSpPr>
+          <p:cNvPr id="4" name="Footer Placeholder 3">
+            <a:extLst>
+              <a:ext uri="{FF2B5EF4-FFF2-40B4-BE49-F238E27FC236}">
+                <a16:creationId xmlns:a16="http://schemas.microsoft.com/office/drawing/2014/main" id="{4304C484-88CB-43AF-84DC-B95DDC975237}"/>
+              </a:ext>
+            </a:extLst>
+          </p:cNvPr>
+          <p:cNvSpPr>
+            <a:spLocks noGrp="1"/>
+          </p:cNvSpPr>
+          <p:nvPr>
+            <p:ph type="ftr" sz="quarter" idx="11"/>
+          </p:nvPr>
+        </p:nvSpPr>
+        <p:spPr/>
+        <p:txBody>
+          <a:bodyPr/>
+          <a:lstStyle/>
+          <a:p>
+            <a:r>
+              <a:rPr lang="en-US"/>
+              <a:t>Nodejs Basics</a:t>
+            </a:r>
+            <a:endParaRPr lang="en-US" dirty="0"/>
+          </a:p>
+        </p:txBody>
+      </p:sp>
+      <p:sp>
+        <p:nvSpPr>
+          <p:cNvPr id="5" name="Slide Number Placeholder 4">
+            <a:extLst>
+              <a:ext uri="{FF2B5EF4-FFF2-40B4-BE49-F238E27FC236}">
+                <a16:creationId xmlns:a16="http://schemas.microsoft.com/office/drawing/2014/main" id="{EBFB16D6-D8A1-4A76-A34A-A31B7E8507F7}"/>
+              </a:ext>
+            </a:extLst>
+          </p:cNvPr>
+          <p:cNvSpPr>
+            <a:spLocks noGrp="1"/>
+          </p:cNvSpPr>
+          <p:nvPr>
+            <p:ph type="sldNum" sz="quarter" idx="12"/>
+          </p:nvPr>
+        </p:nvSpPr>
+        <p:spPr/>
+        <p:txBody>
+          <a:bodyPr/>
+          <a:lstStyle/>
+          <a:p>
+            <a:fld id="{3A98EE3D-8CD1-4C3F-BD1C-C98C9596463C}" type="slidenum">
+              <a:rPr lang="en-US" smtClean="0"/>
+              <a:t>11</a:t>
+            </a:fld>
+            <a:endParaRPr lang="en-US" dirty="0"/>
+          </a:p>
+        </p:txBody>
+      </p:sp>
+    </p:spTree>
+    <p:extLst>
+      <p:ext uri="{BB962C8B-B14F-4D97-AF65-F5344CB8AC3E}">
+        <p14:creationId xmlns:p14="http://schemas.microsoft.com/office/powerpoint/2010/main" val="3554967160"/>
+      </p:ext>
+    </p:extLst>
+  </p:cSld>
+  <p:clrMapOvr>
+    <a:masterClrMapping/>
+  </p:clrMapOvr>
+</p:sld>
+</file>
+
+<file path=ppt/slides/slide12.xml><?xml version="1.0" encoding="utf-8"?>
+<p:sld xmlns:a="http://schemas.openxmlformats.org/drawingml/2006/main" xmlns:r="http://schemas.openxmlformats.org/officeDocument/2006/relationships" xmlns:p="http://schemas.openxmlformats.org/presentationml/2006/main">
+  <p:cSld>
+    <p:spTree>
+      <p:nvGrpSpPr>
+        <p:cNvPr id="1" name=""/>
+        <p:cNvGrpSpPr/>
+        <p:nvPr/>
+      </p:nvGrpSpPr>
+      <p:grpSpPr>
+        <a:xfrm>
+          <a:off x="0" y="0"/>
+          <a:ext cx="0" cy="0"/>
+          <a:chOff x="0" y="0"/>
+          <a:chExt cx="0" cy="0"/>
+        </a:xfrm>
+      </p:grpSpPr>
+      <p:sp>
+        <p:nvSpPr>
+          <p:cNvPr id="2" name="Title 1">
+            <a:extLst>
+              <a:ext uri="{FF2B5EF4-FFF2-40B4-BE49-F238E27FC236}">
+                <a16:creationId xmlns:a16="http://schemas.microsoft.com/office/drawing/2014/main" id="{A4EAEE84-852F-4178-BCE1-2D4C6D8F256E}"/>
+              </a:ext>
+            </a:extLst>
+          </p:cNvPr>
+          <p:cNvSpPr>
+            <a:spLocks noGrp="1"/>
+          </p:cNvSpPr>
+          <p:nvPr>
+            <p:ph type="title"/>
+          </p:nvPr>
+        </p:nvSpPr>
+        <p:spPr/>
+        <p:txBody>
+          <a:bodyPr/>
+          <a:lstStyle/>
+          <a:p>
+            <a:r>
+              <a:rPr lang="en-US" dirty="0"/>
+              <a:t>Demo</a:t>
+            </a:r>
+            <a:endParaRPr lang="fa-IR" dirty="0"/>
+          </a:p>
+        </p:txBody>
+      </p:sp>
+      <p:sp>
+        <p:nvSpPr>
+          <p:cNvPr id="3" name="Content Placeholder 2">
+            <a:extLst>
+              <a:ext uri="{FF2B5EF4-FFF2-40B4-BE49-F238E27FC236}">
+                <a16:creationId xmlns:a16="http://schemas.microsoft.com/office/drawing/2014/main" id="{7AB22717-BC31-4D59-9835-AA46E2F1EB06}"/>
+              </a:ext>
+            </a:extLst>
+          </p:cNvPr>
+          <p:cNvSpPr>
+            <a:spLocks noGrp="1"/>
+          </p:cNvSpPr>
+          <p:nvPr>
+            <p:ph idx="1"/>
+          </p:nvPr>
+        </p:nvSpPr>
+        <p:spPr/>
+        <p:txBody>
+          <a:bodyPr/>
+          <a:lstStyle/>
+          <a:p>
+            <a:r>
+              <a:rPr lang="en-US" dirty="0"/>
+              <a:t>Code flow</a:t>
+            </a:r>
+          </a:p>
+          <a:p>
+            <a:pPr lvl="1"/>
+            <a:r>
+              <a:rPr lang="en-US" dirty="0"/>
+              <a:t>Using </a:t>
+            </a:r>
+            <a:r>
+              <a:rPr lang="en-US" dirty="0" err="1">
+                <a:latin typeface="Consolas" panose="020B0609020204030204" pitchFamily="49" charset="0"/>
+              </a:rPr>
+              <a:t>setTimeout</a:t>
+            </a:r>
+            <a:endParaRPr lang="en-US" dirty="0">
+              <a:latin typeface="Consolas" panose="020B0609020204030204" pitchFamily="49" charset="0"/>
+            </a:endParaRPr>
+          </a:p>
+          <a:p>
+            <a:pPr lvl="1"/>
+            <a:r>
+              <a:rPr lang="en-US" dirty="0"/>
+              <a:t>Asynchronous is not concurrency, or multithreading.</a:t>
+            </a:r>
+          </a:p>
+          <a:p>
+            <a:r>
+              <a:rPr lang="en-US" dirty="0"/>
+              <a:t>Use patterns</a:t>
+            </a:r>
+          </a:p>
+          <a:p>
+            <a:pPr lvl="1"/>
+            <a:r>
+              <a:rPr lang="en-US" dirty="0"/>
+              <a:t>Make program more real, using function</a:t>
+            </a:r>
+          </a:p>
+          <a:p>
+            <a:pPr lvl="1"/>
+            <a:r>
+              <a:rPr lang="en-US" dirty="0"/>
+              <a:t>How to return a value properly (with </a:t>
+            </a:r>
+            <a:r>
+              <a:rPr lang="en-US" dirty="0" err="1">
+                <a:latin typeface="Consolas" panose="020B0609020204030204" pitchFamily="49" charset="0"/>
+              </a:rPr>
+              <a:t>setTimeout</a:t>
+            </a:r>
+            <a:r>
+              <a:rPr lang="en-US" dirty="0"/>
+              <a:t> in a function)</a:t>
+            </a:r>
+          </a:p>
+          <a:p>
+            <a:pPr lvl="1"/>
+            <a:r>
+              <a:rPr lang="en-US" dirty="0"/>
+              <a:t>Patterns:</a:t>
+            </a:r>
+          </a:p>
+          <a:p>
+            <a:pPr lvl="2"/>
+            <a:r>
+              <a:rPr lang="en-US" dirty="0"/>
+              <a:t>Callbacks</a:t>
+            </a:r>
+          </a:p>
+          <a:p>
+            <a:pPr lvl="2"/>
+            <a:r>
+              <a:rPr lang="en-US" dirty="0"/>
+              <a:t>Promises</a:t>
+            </a:r>
+          </a:p>
+          <a:p>
+            <a:pPr lvl="2"/>
+            <a:r>
+              <a:rPr lang="en-US" dirty="0"/>
+              <a:t>Async/await (some syntactical sugar over promises)</a:t>
+            </a:r>
+            <a:endParaRPr lang="fa-IR" dirty="0"/>
+          </a:p>
+        </p:txBody>
+      </p:sp>
+      <p:sp>
+        <p:nvSpPr>
+          <p:cNvPr id="4" name="Footer Placeholder 3">
+            <a:extLst>
+              <a:ext uri="{FF2B5EF4-FFF2-40B4-BE49-F238E27FC236}">
+                <a16:creationId xmlns:a16="http://schemas.microsoft.com/office/drawing/2014/main" id="{4FE306E4-9DE3-4971-8DD4-7A5CD0012795}"/>
+              </a:ext>
+            </a:extLst>
+          </p:cNvPr>
+          <p:cNvSpPr>
+            <a:spLocks noGrp="1"/>
+          </p:cNvSpPr>
+          <p:nvPr>
+            <p:ph type="ftr" sz="quarter" idx="11"/>
+          </p:nvPr>
+        </p:nvSpPr>
+        <p:spPr/>
+        <p:txBody>
+          <a:bodyPr/>
+          <a:lstStyle/>
+          <a:p>
+            <a:r>
+              <a:rPr lang="en-US"/>
+              <a:t>Nodejs Basics</a:t>
+            </a:r>
+            <a:endParaRPr lang="en-US" dirty="0"/>
+          </a:p>
+        </p:txBody>
+      </p:sp>
+      <p:sp>
+        <p:nvSpPr>
+          <p:cNvPr id="5" name="Slide Number Placeholder 4">
+            <a:extLst>
+              <a:ext uri="{FF2B5EF4-FFF2-40B4-BE49-F238E27FC236}">
+                <a16:creationId xmlns:a16="http://schemas.microsoft.com/office/drawing/2014/main" id="{42406A1B-C90A-439C-B1ED-91BF029BC7E7}"/>
+              </a:ext>
+            </a:extLst>
+          </p:cNvPr>
+          <p:cNvSpPr>
+            <a:spLocks noGrp="1"/>
+          </p:cNvSpPr>
+          <p:nvPr>
+            <p:ph type="sldNum" sz="quarter" idx="12"/>
+          </p:nvPr>
+        </p:nvSpPr>
+        <p:spPr/>
+        <p:txBody>
+          <a:bodyPr/>
+          <a:lstStyle/>
+          <a:p>
+            <a:fld id="{3A98EE3D-8CD1-4C3F-BD1C-C98C9596463C}" type="slidenum">
+              <a:rPr lang="en-US" smtClean="0"/>
+              <a:t>12</a:t>
+            </a:fld>
+            <a:endParaRPr lang="en-US" dirty="0"/>
+          </a:p>
+        </p:txBody>
+      </p:sp>
+    </p:spTree>
+    <p:extLst>
+      <p:ext uri="{BB962C8B-B14F-4D97-AF65-F5344CB8AC3E}">
+        <p14:creationId xmlns:p14="http://schemas.microsoft.com/office/powerpoint/2010/main" val="3730654980"/>
+      </p:ext>
+    </p:extLst>
+  </p:cSld>
+  <p:clrMapOvr>
+    <a:masterClrMapping/>
+  </p:clrMapOvr>
+</p:sld>
+</file>
+
+<file path=ppt/slides/slide13.xml><?xml version="1.0" encoding="utf-8"?>
+<p:sld xmlns:a="http://schemas.openxmlformats.org/drawingml/2006/main" xmlns:r="http://schemas.openxmlformats.org/officeDocument/2006/relationships" xmlns:p="http://schemas.openxmlformats.org/presentationml/2006/main">
+  <p:cSld>
+    <p:spTree>
+      <p:nvGrpSpPr>
+        <p:cNvPr id="1" name=""/>
+        <p:cNvGrpSpPr/>
+        <p:nvPr/>
+      </p:nvGrpSpPr>
+      <p:grpSpPr>
+        <a:xfrm>
+          <a:off x="0" y="0"/>
+          <a:ext cx="0" cy="0"/>
+          <a:chOff x="0" y="0"/>
+          <a:chExt cx="0" cy="0"/>
+        </a:xfrm>
+      </p:grpSpPr>
+      <p:sp>
+        <p:nvSpPr>
+          <p:cNvPr id="2" name="Title 1">
+            <a:extLst>
+              <a:ext uri="{FF2B5EF4-FFF2-40B4-BE49-F238E27FC236}">
+                <a16:creationId xmlns:a16="http://schemas.microsoft.com/office/drawing/2014/main" id="{2F3BE0BA-F43C-4D7F-BCB6-B0DAA783501C}"/>
+              </a:ext>
+            </a:extLst>
+          </p:cNvPr>
+          <p:cNvSpPr>
+            <a:spLocks noGrp="1"/>
+          </p:cNvSpPr>
+          <p:nvPr>
+            <p:ph type="title"/>
+          </p:nvPr>
+        </p:nvSpPr>
+        <p:spPr/>
+        <p:txBody>
+          <a:bodyPr/>
+          <a:lstStyle/>
+          <a:p>
+            <a:r>
+              <a:rPr lang="en-US" dirty="0"/>
+              <a:t>Demo</a:t>
+            </a:r>
+            <a:endParaRPr lang="fa-IR" dirty="0"/>
+          </a:p>
+        </p:txBody>
+      </p:sp>
+      <p:sp>
+        <p:nvSpPr>
+          <p:cNvPr id="3" name="Content Placeholder 2">
+            <a:extLst>
+              <a:ext uri="{FF2B5EF4-FFF2-40B4-BE49-F238E27FC236}">
+                <a16:creationId xmlns:a16="http://schemas.microsoft.com/office/drawing/2014/main" id="{8E4C6390-90A3-4069-B137-1C755E19886C}"/>
+              </a:ext>
+            </a:extLst>
+          </p:cNvPr>
+          <p:cNvSpPr>
+            <a:spLocks noGrp="1"/>
+          </p:cNvSpPr>
+          <p:nvPr>
+            <p:ph idx="1"/>
+          </p:nvPr>
+        </p:nvSpPr>
+        <p:spPr/>
+        <p:txBody>
+          <a:bodyPr>
+            <a:normAutofit fontScale="92500" lnSpcReduction="20000"/>
+          </a:bodyPr>
+          <a:lstStyle/>
+          <a:p>
+            <a:r>
+              <a:rPr lang="en-US" dirty="0"/>
+              <a:t>Promise</a:t>
+            </a:r>
+          </a:p>
+          <a:p>
+            <a:pPr lvl="1"/>
+            <a:r>
+              <a:rPr lang="en-US" dirty="0"/>
+              <a:t>Holds the eventual result of an asynchronous operation</a:t>
+            </a:r>
+          </a:p>
+          <a:p>
+            <a:pPr lvl="2"/>
+            <a:r>
+              <a:rPr lang="en-US" dirty="0"/>
+              <a:t>Value or error</a:t>
+            </a:r>
+          </a:p>
+          <a:p>
+            <a:pPr lvl="1"/>
+            <a:r>
+              <a:rPr lang="en-US" dirty="0"/>
+              <a:t>States:</a:t>
+            </a:r>
+          </a:p>
+          <a:p>
+            <a:pPr lvl="2"/>
+            <a:r>
+              <a:rPr lang="en-US" dirty="0"/>
+              <a:t>Pending</a:t>
+            </a:r>
+          </a:p>
+          <a:p>
+            <a:pPr lvl="2"/>
+            <a:r>
+              <a:rPr lang="en-US" dirty="0"/>
+              <a:t>Fulfilled (value)</a:t>
+            </a:r>
+          </a:p>
+          <a:p>
+            <a:pPr lvl="2"/>
+            <a:r>
+              <a:rPr lang="en-US" dirty="0"/>
+              <a:t>Rejected (error)</a:t>
+            </a:r>
+          </a:p>
+          <a:p>
+            <a:pPr lvl="1"/>
+            <a:r>
+              <a:rPr lang="en-US" sz="2300" dirty="0">
+                <a:latin typeface="Consolas" panose="020B0609020204030204" pitchFamily="49" charset="0"/>
+              </a:rPr>
+              <a:t>then</a:t>
+            </a:r>
+            <a:r>
+              <a:rPr lang="en-US" dirty="0"/>
+              <a:t>, </a:t>
+            </a:r>
+            <a:r>
+              <a:rPr lang="en-US" sz="2300" dirty="0">
+                <a:latin typeface="Consolas" panose="020B0609020204030204" pitchFamily="49" charset="0"/>
+              </a:rPr>
+              <a:t>catch</a:t>
+            </a:r>
+          </a:p>
+          <a:p>
+            <a:pPr lvl="1"/>
+            <a:r>
+              <a:rPr lang="en-US" dirty="0"/>
+              <a:t>Chaining</a:t>
+            </a:r>
+          </a:p>
+          <a:p>
+            <a:pPr lvl="1"/>
+            <a:r>
+              <a:rPr lang="en-US" dirty="0"/>
+              <a:t>Replacing callbacks with promises</a:t>
+            </a:r>
+          </a:p>
+          <a:p>
+            <a:pPr lvl="1"/>
+            <a:r>
+              <a:rPr lang="en-US" dirty="0"/>
+              <a:t>Single error handler after multiple then</a:t>
+            </a:r>
+          </a:p>
+          <a:p>
+            <a:pPr lvl="1"/>
+            <a:r>
+              <a:rPr lang="en-US" dirty="0"/>
+              <a:t>Use Error class to get call stack</a:t>
+            </a:r>
+          </a:p>
+          <a:p>
+            <a:pPr lvl="1"/>
+            <a:endParaRPr lang="fa-IR" dirty="0"/>
+          </a:p>
+        </p:txBody>
+      </p:sp>
+      <p:sp>
+        <p:nvSpPr>
+          <p:cNvPr id="4" name="Footer Placeholder 3">
+            <a:extLst>
+              <a:ext uri="{FF2B5EF4-FFF2-40B4-BE49-F238E27FC236}">
+                <a16:creationId xmlns:a16="http://schemas.microsoft.com/office/drawing/2014/main" id="{E2B7CC5A-657C-4596-B99F-19E8EE0AB860}"/>
+              </a:ext>
+            </a:extLst>
+          </p:cNvPr>
+          <p:cNvSpPr>
+            <a:spLocks noGrp="1"/>
+          </p:cNvSpPr>
+          <p:nvPr>
+            <p:ph type="ftr" sz="quarter" idx="11"/>
+          </p:nvPr>
+        </p:nvSpPr>
+        <p:spPr/>
+        <p:txBody>
+          <a:bodyPr/>
+          <a:lstStyle/>
+          <a:p>
+            <a:r>
+              <a:rPr lang="en-US"/>
+              <a:t>Nodejs Basics</a:t>
+            </a:r>
+            <a:endParaRPr lang="en-US" dirty="0"/>
+          </a:p>
+        </p:txBody>
+      </p:sp>
+      <p:sp>
+        <p:nvSpPr>
+          <p:cNvPr id="5" name="Slide Number Placeholder 4">
+            <a:extLst>
+              <a:ext uri="{FF2B5EF4-FFF2-40B4-BE49-F238E27FC236}">
+                <a16:creationId xmlns:a16="http://schemas.microsoft.com/office/drawing/2014/main" id="{20F59E33-77D5-49AE-B39F-DA879584E7B8}"/>
+              </a:ext>
+            </a:extLst>
+          </p:cNvPr>
+          <p:cNvSpPr>
+            <a:spLocks noGrp="1"/>
+          </p:cNvSpPr>
+          <p:nvPr>
+            <p:ph type="sldNum" sz="quarter" idx="12"/>
+          </p:nvPr>
+        </p:nvSpPr>
+        <p:spPr/>
+        <p:txBody>
+          <a:bodyPr/>
+          <a:lstStyle/>
+          <a:p>
+            <a:fld id="{3A98EE3D-8CD1-4C3F-BD1C-C98C9596463C}" type="slidenum">
+              <a:rPr lang="en-US" smtClean="0"/>
+              <a:t>13</a:t>
+            </a:fld>
+            <a:endParaRPr lang="en-US" dirty="0"/>
+          </a:p>
+        </p:txBody>
+      </p:sp>
+    </p:spTree>
+    <p:extLst>
+      <p:ext uri="{BB962C8B-B14F-4D97-AF65-F5344CB8AC3E}">
+        <p14:creationId xmlns:p14="http://schemas.microsoft.com/office/powerpoint/2010/main" val="2638950099"/>
+      </p:ext>
+    </p:extLst>
+  </p:cSld>
+  <p:clrMapOvr>
+    <a:masterClrMapping/>
+  </p:clrMapOvr>
+</p:sld>
+</file>
+
+<file path=ppt/slides/slide14.xml><?xml version="1.0" encoding="utf-8"?>
+<p:sld xmlns:a="http://schemas.openxmlformats.org/drawingml/2006/main" xmlns:r="http://schemas.openxmlformats.org/officeDocument/2006/relationships" xmlns:p="http://schemas.openxmlformats.org/presentationml/2006/main">
+  <p:cSld>
+    <p:spTree>
+      <p:nvGrpSpPr>
+        <p:cNvPr id="1" name=""/>
+        <p:cNvGrpSpPr/>
+        <p:nvPr/>
+      </p:nvGrpSpPr>
+      <p:grpSpPr>
+        <a:xfrm>
+          <a:off x="0" y="0"/>
+          <a:ext cx="0" cy="0"/>
+          <a:chOff x="0" y="0"/>
+          <a:chExt cx="0" cy="0"/>
+        </a:xfrm>
+      </p:grpSpPr>
+      <p:sp>
+        <p:nvSpPr>
+          <p:cNvPr id="2" name="Title 1">
+            <a:extLst>
+              <a:ext uri="{FF2B5EF4-FFF2-40B4-BE49-F238E27FC236}">
+                <a16:creationId xmlns:a16="http://schemas.microsoft.com/office/drawing/2014/main" id="{52BABB8D-276B-4375-BFFE-65BC43820BC6}"/>
+              </a:ext>
+            </a:extLst>
+          </p:cNvPr>
+          <p:cNvSpPr>
+            <a:spLocks noGrp="1"/>
+          </p:cNvSpPr>
+          <p:nvPr>
+            <p:ph type="title"/>
+          </p:nvPr>
+        </p:nvSpPr>
+        <p:spPr/>
+        <p:txBody>
+          <a:bodyPr/>
+          <a:lstStyle/>
+          <a:p>
+            <a:r>
+              <a:rPr lang="en-US" dirty="0"/>
+              <a:t>Demo</a:t>
+            </a:r>
+            <a:endParaRPr lang="fa-IR" dirty="0"/>
+          </a:p>
+        </p:txBody>
+      </p:sp>
+      <p:sp>
+        <p:nvSpPr>
+          <p:cNvPr id="3" name="Content Placeholder 2">
+            <a:extLst>
+              <a:ext uri="{FF2B5EF4-FFF2-40B4-BE49-F238E27FC236}">
+                <a16:creationId xmlns:a16="http://schemas.microsoft.com/office/drawing/2014/main" id="{31945DA0-6619-46B8-A3F5-C5D831CCED8A}"/>
+              </a:ext>
+            </a:extLst>
+          </p:cNvPr>
+          <p:cNvSpPr>
+            <a:spLocks noGrp="1"/>
+          </p:cNvSpPr>
+          <p:nvPr>
+            <p:ph idx="1"/>
+          </p:nvPr>
+        </p:nvSpPr>
+        <p:spPr/>
+        <p:txBody>
+          <a:bodyPr/>
+          <a:lstStyle/>
+          <a:p>
+            <a:r>
+              <a:rPr lang="en-US" dirty="0"/>
+              <a:t>Promise </a:t>
+            </a:r>
+            <a:r>
+              <a:rPr lang="en-US" dirty="0" err="1"/>
+              <a:t>api</a:t>
+            </a:r>
+            <a:endParaRPr lang="en-US" dirty="0"/>
+          </a:p>
+          <a:p>
+            <a:pPr lvl="1"/>
+            <a:r>
+              <a:rPr lang="en-US" dirty="0" err="1">
+                <a:latin typeface="Consolas" panose="020B0609020204030204" pitchFamily="49" charset="0"/>
+              </a:rPr>
+              <a:t>Promise.resolve</a:t>
+            </a:r>
+            <a:r>
+              <a:rPr lang="en-US" dirty="0">
+                <a:latin typeface="Consolas" panose="020B0609020204030204" pitchFamily="49" charset="0"/>
+              </a:rPr>
+              <a:t>();</a:t>
+            </a:r>
+          </a:p>
+          <a:p>
+            <a:pPr lvl="1"/>
+            <a:r>
+              <a:rPr lang="en-US" dirty="0" err="1">
+                <a:latin typeface="Consolas" panose="020B0609020204030204" pitchFamily="49" charset="0"/>
+              </a:rPr>
+              <a:t>Promise.reject</a:t>
+            </a:r>
+            <a:r>
+              <a:rPr lang="en-US" dirty="0">
+                <a:latin typeface="Consolas" panose="020B0609020204030204" pitchFamily="49" charset="0"/>
+              </a:rPr>
+              <a:t>();</a:t>
+            </a:r>
+          </a:p>
+          <a:p>
+            <a:pPr lvl="1"/>
+            <a:r>
+              <a:rPr lang="en-US" dirty="0" err="1">
+                <a:latin typeface="Consolas" panose="020B0609020204030204" pitchFamily="49" charset="0"/>
+              </a:rPr>
+              <a:t>Promise.all</a:t>
+            </a:r>
+            <a:r>
+              <a:rPr lang="en-US" dirty="0">
+                <a:latin typeface="Consolas" panose="020B0609020204030204" pitchFamily="49" charset="0"/>
+              </a:rPr>
+              <a:t>([]);</a:t>
+            </a:r>
+          </a:p>
+          <a:p>
+            <a:pPr lvl="2"/>
+            <a:r>
+              <a:rPr lang="en-US" dirty="0"/>
+              <a:t>Return new promise, when all the promises in the array are resolved.</a:t>
+            </a:r>
+          </a:p>
+          <a:p>
+            <a:pPr lvl="2"/>
+            <a:r>
+              <a:rPr lang="en-US" dirty="0"/>
+              <a:t>They aren’t concurrent </a:t>
+            </a:r>
+            <a:r>
+              <a:rPr lang="en-US" dirty="0">
+                <a:sym typeface="Wingdings" panose="05000000000000000000" pitchFamily="2" charset="2"/>
+              </a:rPr>
+              <a:t></a:t>
+            </a:r>
+          </a:p>
+          <a:p>
+            <a:pPr lvl="2"/>
+            <a:r>
+              <a:rPr lang="en-US" dirty="0">
+                <a:sym typeface="Wingdings" panose="05000000000000000000" pitchFamily="2" charset="2"/>
+              </a:rPr>
+              <a:t>They are all started almost at the same time</a:t>
+            </a:r>
+          </a:p>
+          <a:p>
+            <a:pPr lvl="2"/>
+            <a:r>
+              <a:rPr lang="en-US" dirty="0">
+                <a:sym typeface="Wingdings" panose="05000000000000000000" pitchFamily="2" charset="2"/>
+              </a:rPr>
+              <a:t>How about the error handling?</a:t>
+            </a:r>
+          </a:p>
+          <a:p>
+            <a:pPr lvl="1"/>
+            <a:r>
+              <a:rPr lang="en-US" dirty="0" err="1">
+                <a:latin typeface="Consolas" panose="020B0609020204030204" pitchFamily="49" charset="0"/>
+                <a:sym typeface="Wingdings" panose="05000000000000000000" pitchFamily="2" charset="2"/>
+              </a:rPr>
+              <a:t>Promise.race</a:t>
+            </a:r>
+            <a:r>
+              <a:rPr lang="en-US" dirty="0">
+                <a:latin typeface="Consolas" panose="020B0609020204030204" pitchFamily="49" charset="0"/>
+                <a:sym typeface="Wingdings" panose="05000000000000000000" pitchFamily="2" charset="2"/>
+              </a:rPr>
+              <a:t>([]);</a:t>
+            </a:r>
+          </a:p>
+          <a:p>
+            <a:pPr lvl="2"/>
+            <a:r>
+              <a:rPr lang="en-US" dirty="0">
+                <a:sym typeface="Wingdings" panose="05000000000000000000" pitchFamily="2" charset="2"/>
+              </a:rPr>
+              <a:t>Return new promise, when as soon as one of them are fulfilled</a:t>
+            </a:r>
+          </a:p>
+          <a:p>
+            <a:pPr lvl="2"/>
+            <a:endParaRPr lang="en-US" dirty="0">
+              <a:sym typeface="Wingdings" panose="05000000000000000000" pitchFamily="2" charset="2"/>
+            </a:endParaRPr>
+          </a:p>
+          <a:p>
+            <a:pPr lvl="1"/>
+            <a:endParaRPr lang="fa-IR" dirty="0"/>
+          </a:p>
+        </p:txBody>
+      </p:sp>
+      <p:sp>
+        <p:nvSpPr>
+          <p:cNvPr id="4" name="Footer Placeholder 3">
+            <a:extLst>
+              <a:ext uri="{FF2B5EF4-FFF2-40B4-BE49-F238E27FC236}">
+                <a16:creationId xmlns:a16="http://schemas.microsoft.com/office/drawing/2014/main" id="{6D509FBC-91DE-4D92-9D99-00EF7399E2C8}"/>
+              </a:ext>
+            </a:extLst>
+          </p:cNvPr>
+          <p:cNvSpPr>
+            <a:spLocks noGrp="1"/>
+          </p:cNvSpPr>
+          <p:nvPr>
+            <p:ph type="ftr" sz="quarter" idx="11"/>
+          </p:nvPr>
+        </p:nvSpPr>
+        <p:spPr/>
+        <p:txBody>
+          <a:bodyPr/>
+          <a:lstStyle/>
+          <a:p>
+            <a:r>
+              <a:rPr lang="en-US"/>
+              <a:t>Nodejs Basics</a:t>
+            </a:r>
+            <a:endParaRPr lang="en-US" dirty="0"/>
+          </a:p>
+        </p:txBody>
+      </p:sp>
+      <p:sp>
+        <p:nvSpPr>
+          <p:cNvPr id="5" name="Slide Number Placeholder 4">
+            <a:extLst>
+              <a:ext uri="{FF2B5EF4-FFF2-40B4-BE49-F238E27FC236}">
+                <a16:creationId xmlns:a16="http://schemas.microsoft.com/office/drawing/2014/main" id="{DD947B3E-EE40-47C1-9116-DB3F3D7FB8C7}"/>
+              </a:ext>
+            </a:extLst>
+          </p:cNvPr>
+          <p:cNvSpPr>
+            <a:spLocks noGrp="1"/>
+          </p:cNvSpPr>
+          <p:nvPr>
+            <p:ph type="sldNum" sz="quarter" idx="12"/>
+          </p:nvPr>
+        </p:nvSpPr>
+        <p:spPr/>
+        <p:txBody>
+          <a:bodyPr/>
+          <a:lstStyle/>
+          <a:p>
+            <a:fld id="{3A98EE3D-8CD1-4C3F-BD1C-C98C9596463C}" type="slidenum">
+              <a:rPr lang="en-US" smtClean="0"/>
+              <a:t>14</a:t>
+            </a:fld>
+            <a:endParaRPr lang="en-US" dirty="0"/>
+          </a:p>
+        </p:txBody>
+      </p:sp>
+    </p:spTree>
+    <p:extLst>
+      <p:ext uri="{BB962C8B-B14F-4D97-AF65-F5344CB8AC3E}">
+        <p14:creationId xmlns:p14="http://schemas.microsoft.com/office/powerpoint/2010/main" val="3959866121"/>
+      </p:ext>
+    </p:extLst>
+  </p:cSld>
+  <p:clrMapOvr>
+    <a:masterClrMapping/>
+  </p:clrMapOvr>
+</p:sld>
+</file>
+
+<file path=ppt/slides/slide15.xml><?xml version="1.0" encoding="utf-8"?>
+<p:sld xmlns:a="http://schemas.openxmlformats.org/drawingml/2006/main" xmlns:r="http://schemas.openxmlformats.org/officeDocument/2006/relationships" xmlns:p="http://schemas.openxmlformats.org/presentationml/2006/main">
+  <p:cSld>
+    <p:spTree>
+      <p:nvGrpSpPr>
+        <p:cNvPr id="1" name=""/>
+        <p:cNvGrpSpPr/>
+        <p:nvPr/>
+      </p:nvGrpSpPr>
+      <p:grpSpPr>
+        <a:xfrm>
+          <a:off x="0" y="0"/>
+          <a:ext cx="0" cy="0"/>
+          <a:chOff x="0" y="0"/>
+          <a:chExt cx="0" cy="0"/>
+        </a:xfrm>
+      </p:grpSpPr>
+      <p:sp>
+        <p:nvSpPr>
+          <p:cNvPr id="2" name="Title 1">
+            <a:extLst>
+              <a:ext uri="{FF2B5EF4-FFF2-40B4-BE49-F238E27FC236}">
+                <a16:creationId xmlns:a16="http://schemas.microsoft.com/office/drawing/2014/main" id="{6FB0F06B-4F09-4C49-B756-E957ECB0EE69}"/>
+              </a:ext>
+            </a:extLst>
+          </p:cNvPr>
+          <p:cNvSpPr>
+            <a:spLocks noGrp="1"/>
+          </p:cNvSpPr>
+          <p:nvPr>
+            <p:ph type="title"/>
+          </p:nvPr>
+        </p:nvSpPr>
+        <p:spPr/>
+        <p:txBody>
+          <a:bodyPr/>
+          <a:lstStyle/>
+          <a:p>
+            <a:r>
+              <a:rPr lang="en-US" dirty="0"/>
+              <a:t>Demo</a:t>
+            </a:r>
+            <a:endParaRPr lang="fa-IR" dirty="0"/>
+          </a:p>
+        </p:txBody>
+      </p:sp>
+      <p:sp>
+        <p:nvSpPr>
+          <p:cNvPr id="3" name="Content Placeholder 2">
+            <a:extLst>
+              <a:ext uri="{FF2B5EF4-FFF2-40B4-BE49-F238E27FC236}">
+                <a16:creationId xmlns:a16="http://schemas.microsoft.com/office/drawing/2014/main" id="{2FB4597B-AAD8-4652-8A60-1464420691D2}"/>
+              </a:ext>
+            </a:extLst>
+          </p:cNvPr>
+          <p:cNvSpPr>
+            <a:spLocks noGrp="1"/>
+          </p:cNvSpPr>
+          <p:nvPr>
+            <p:ph idx="1"/>
+          </p:nvPr>
+        </p:nvSpPr>
+        <p:spPr/>
+        <p:txBody>
+          <a:bodyPr/>
+          <a:lstStyle/>
+          <a:p>
+            <a:r>
+              <a:rPr lang="en-US" dirty="0"/>
+              <a:t>Async/await</a:t>
+            </a:r>
+          </a:p>
+          <a:p>
+            <a:pPr lvl="1"/>
+            <a:r>
+              <a:rPr lang="en-US" dirty="0"/>
+              <a:t>We can await on functions that returns a promise</a:t>
+            </a:r>
+          </a:p>
+          <a:p>
+            <a:pPr lvl="1"/>
+            <a:r>
+              <a:rPr lang="en-US" dirty="0"/>
+              <a:t>Whenever you use await, you have to wrapped it (decorate it) with async function</a:t>
+            </a:r>
+          </a:p>
+          <a:p>
+            <a:pPr lvl="1"/>
+            <a:r>
+              <a:rPr lang="en-US" dirty="0"/>
+              <a:t>How about error handling?</a:t>
+            </a:r>
+          </a:p>
+          <a:p>
+            <a:pPr lvl="2"/>
+            <a:r>
+              <a:rPr lang="en-US" dirty="0">
+                <a:latin typeface="Consolas" panose="020B0609020204030204" pitchFamily="49" charset="0"/>
+              </a:rPr>
+              <a:t>try/catch</a:t>
+            </a:r>
+          </a:p>
+          <a:p>
+            <a:pPr lvl="1"/>
+            <a:endParaRPr lang="fa-IR" dirty="0"/>
+          </a:p>
+        </p:txBody>
+      </p:sp>
+      <p:sp>
+        <p:nvSpPr>
+          <p:cNvPr id="4" name="Footer Placeholder 3">
+            <a:extLst>
+              <a:ext uri="{FF2B5EF4-FFF2-40B4-BE49-F238E27FC236}">
+                <a16:creationId xmlns:a16="http://schemas.microsoft.com/office/drawing/2014/main" id="{7FBB73E0-FFB7-4262-9CE8-2442F94BFFA5}"/>
+              </a:ext>
+            </a:extLst>
+          </p:cNvPr>
+          <p:cNvSpPr>
+            <a:spLocks noGrp="1"/>
+          </p:cNvSpPr>
+          <p:nvPr>
+            <p:ph type="ftr" sz="quarter" idx="11"/>
+          </p:nvPr>
+        </p:nvSpPr>
+        <p:spPr/>
+        <p:txBody>
+          <a:bodyPr/>
+          <a:lstStyle/>
+          <a:p>
+            <a:r>
+              <a:rPr lang="en-US"/>
+              <a:t>Nodejs Basics</a:t>
+            </a:r>
+            <a:endParaRPr lang="en-US" dirty="0"/>
+          </a:p>
+        </p:txBody>
+      </p:sp>
+      <p:sp>
+        <p:nvSpPr>
+          <p:cNvPr id="5" name="Slide Number Placeholder 4">
+            <a:extLst>
+              <a:ext uri="{FF2B5EF4-FFF2-40B4-BE49-F238E27FC236}">
+                <a16:creationId xmlns:a16="http://schemas.microsoft.com/office/drawing/2014/main" id="{75E085F7-5F8D-4F7F-878D-604803EA6FBA}"/>
+              </a:ext>
+            </a:extLst>
+          </p:cNvPr>
+          <p:cNvSpPr>
+            <a:spLocks noGrp="1"/>
+          </p:cNvSpPr>
+          <p:nvPr>
+            <p:ph type="sldNum" sz="quarter" idx="12"/>
+          </p:nvPr>
+        </p:nvSpPr>
+        <p:spPr/>
+        <p:txBody>
+          <a:bodyPr/>
+          <a:lstStyle/>
+          <a:p>
+            <a:fld id="{3A98EE3D-8CD1-4C3F-BD1C-C98C9596463C}" type="slidenum">
+              <a:rPr lang="en-US" smtClean="0"/>
+              <a:t>15</a:t>
+            </a:fld>
+            <a:endParaRPr lang="en-US" dirty="0"/>
+          </a:p>
+        </p:txBody>
+      </p:sp>
+    </p:spTree>
+    <p:extLst>
+      <p:ext uri="{BB962C8B-B14F-4D97-AF65-F5344CB8AC3E}">
+        <p14:creationId xmlns:p14="http://schemas.microsoft.com/office/powerpoint/2010/main" val="408487424"/>
+      </p:ext>
+    </p:extLst>
+  </p:cSld>
+  <p:clrMapOvr>
+    <a:masterClrMapping/>
+  </p:clrMapOvr>
+</p:sld>
+</file>
+
+<file path=ppt/slides/slide16.xml><?xml version="1.0" encoding="utf-8"?>
+<p:sld xmlns:a="http://schemas.openxmlformats.org/drawingml/2006/main" xmlns:r="http://schemas.openxmlformats.org/officeDocument/2006/relationships" xmlns:p="http://schemas.openxmlformats.org/presentationml/2006/main">
+  <p:cSld>
+    <p:spTree>
+      <p:nvGrpSpPr>
+        <p:cNvPr id="1" name=""/>
+        <p:cNvGrpSpPr/>
+        <p:nvPr/>
+      </p:nvGrpSpPr>
+      <p:grpSpPr>
+        <a:xfrm>
+          <a:off x="0" y="0"/>
+          <a:ext cx="0" cy="0"/>
+          <a:chOff x="0" y="0"/>
+          <a:chExt cx="0" cy="0"/>
+        </a:xfrm>
+      </p:grpSpPr>
+      <p:sp>
+        <p:nvSpPr>
+          <p:cNvPr id="2" name="Title 1">
+            <a:extLst>
+              <a:ext uri="{FF2B5EF4-FFF2-40B4-BE49-F238E27FC236}">
+                <a16:creationId xmlns:a16="http://schemas.microsoft.com/office/drawing/2014/main" id="{618EECB2-CE8D-4E0E-9C6D-BED7688A12E6}"/>
+              </a:ext>
+            </a:extLst>
+          </p:cNvPr>
+          <p:cNvSpPr>
+            <a:spLocks noGrp="1"/>
+          </p:cNvSpPr>
+          <p:nvPr>
+            <p:ph type="title"/>
+          </p:nvPr>
+        </p:nvSpPr>
+        <p:spPr/>
+        <p:txBody>
+          <a:bodyPr/>
+          <a:lstStyle/>
+          <a:p>
+            <a:r>
+              <a:rPr lang="en-US" dirty="0"/>
+              <a:t>Exercise</a:t>
+            </a:r>
+            <a:endParaRPr lang="fa-IR" dirty="0"/>
+          </a:p>
+        </p:txBody>
+      </p:sp>
+      <p:sp>
+        <p:nvSpPr>
+          <p:cNvPr id="3" name="Content Placeholder 2">
+            <a:extLst>
+              <a:ext uri="{FF2B5EF4-FFF2-40B4-BE49-F238E27FC236}">
+                <a16:creationId xmlns:a16="http://schemas.microsoft.com/office/drawing/2014/main" id="{FE8763E7-5CAA-4495-827F-275AE6D64888}"/>
+              </a:ext>
+            </a:extLst>
+          </p:cNvPr>
+          <p:cNvSpPr>
+            <a:spLocks noGrp="1"/>
+          </p:cNvSpPr>
+          <p:nvPr>
+            <p:ph idx="1"/>
+          </p:nvPr>
+        </p:nvSpPr>
+        <p:spPr/>
+        <p:txBody>
+          <a:bodyPr/>
+          <a:lstStyle/>
+          <a:p>
+            <a:r>
+              <a:rPr lang="en-US" dirty="0"/>
+              <a:t>Every one hour check, if there is a new car (PRIDE) has been published to the divar or not? If yes, log it’s properties in the console (using got package, don’t forget to use async/await).</a:t>
+            </a:r>
+            <a:endParaRPr lang="fa-IR" dirty="0"/>
+          </a:p>
+          <a:p>
+            <a:endParaRPr lang="en-US" dirty="0"/>
+          </a:p>
+        </p:txBody>
+      </p:sp>
+      <p:sp>
+        <p:nvSpPr>
+          <p:cNvPr id="4" name="Footer Placeholder 3">
+            <a:extLst>
+              <a:ext uri="{FF2B5EF4-FFF2-40B4-BE49-F238E27FC236}">
+                <a16:creationId xmlns:a16="http://schemas.microsoft.com/office/drawing/2014/main" id="{D20DC7A5-9582-442F-85E7-7F12B3FEFF5F}"/>
+              </a:ext>
+            </a:extLst>
+          </p:cNvPr>
+          <p:cNvSpPr>
+            <a:spLocks noGrp="1"/>
+          </p:cNvSpPr>
+          <p:nvPr>
+            <p:ph type="ftr" sz="quarter" idx="11"/>
+          </p:nvPr>
+        </p:nvSpPr>
+        <p:spPr/>
+        <p:txBody>
+          <a:bodyPr/>
+          <a:lstStyle/>
+          <a:p>
+            <a:r>
+              <a:rPr lang="en-US"/>
+              <a:t>Nodejs Basics</a:t>
+            </a:r>
+            <a:endParaRPr lang="en-US" dirty="0"/>
+          </a:p>
+        </p:txBody>
+      </p:sp>
+      <p:sp>
+        <p:nvSpPr>
+          <p:cNvPr id="5" name="Slide Number Placeholder 4">
+            <a:extLst>
+              <a:ext uri="{FF2B5EF4-FFF2-40B4-BE49-F238E27FC236}">
+                <a16:creationId xmlns:a16="http://schemas.microsoft.com/office/drawing/2014/main" id="{EB28FDFC-FD23-4283-A72D-CB30DC814739}"/>
+              </a:ext>
+            </a:extLst>
+          </p:cNvPr>
+          <p:cNvSpPr>
+            <a:spLocks noGrp="1"/>
+          </p:cNvSpPr>
+          <p:nvPr>
+            <p:ph type="sldNum" sz="quarter" idx="12"/>
+          </p:nvPr>
+        </p:nvSpPr>
+        <p:spPr/>
+        <p:txBody>
+          <a:bodyPr/>
+          <a:lstStyle/>
+          <a:p>
+            <a:fld id="{3A98EE3D-8CD1-4C3F-BD1C-C98C9596463C}" type="slidenum">
+              <a:rPr lang="en-US" smtClean="0"/>
+              <a:t>16</a:t>
+            </a:fld>
+            <a:endParaRPr lang="en-US" dirty="0"/>
+          </a:p>
+        </p:txBody>
+      </p:sp>
+    </p:spTree>
+    <p:extLst>
+      <p:ext uri="{BB962C8B-B14F-4D97-AF65-F5344CB8AC3E}">
+        <p14:creationId xmlns:p14="http://schemas.microsoft.com/office/powerpoint/2010/main" val="1532252221"/>
+      </p:ext>
+    </p:extLst>
+  </p:cSld>
+  <p:clrMapOvr>
+    <a:masterClrMapping/>
+  </p:clrMapOvr>
+</p:sld>
+</file>
+
 <file path=ppt/slides/slide2.xml><?xml version="1.0" encoding="utf-8"?>
 <p:sld xmlns:a="http://schemas.openxmlformats.org/drawingml/2006/main" xmlns:r="http://schemas.openxmlformats.org/officeDocument/2006/relationships" xmlns:p="http://schemas.openxmlformats.org/presentationml/2006/main">
   <p:cSld>
@@ -7013,7 +8402,7 @@
           <p:cNvPr id="2" name="Title 1">
             <a:extLst>
               <a:ext uri="{FF2B5EF4-FFF2-40B4-BE49-F238E27FC236}">
-                <a16:creationId xmlns:a16="http://schemas.microsoft.com/office/drawing/2014/main" id="{B8346FEF-F350-495B-85B4-854BFFD1C5B2}"/>
+                <a16:creationId xmlns:a16="http://schemas.microsoft.com/office/drawing/2014/main" id="{4E7BC393-CA2B-457A-ACD5-DC19A164A970}"/>
               </a:ext>
             </a:extLst>
           </p:cNvPr>
@@ -7031,7 +8420,7 @@
           <a:p>
             <a:r>
               <a:rPr lang="en-US" dirty="0"/>
-              <a:t>Course Structure</a:t>
+              <a:t>Missing from last session - Demo</a:t>
             </a:r>
           </a:p>
         </p:txBody>
@@ -7041,7 +8430,7 @@
           <p:cNvPr id="3" name="Content Placeholder 2">
             <a:extLst>
               <a:ext uri="{FF2B5EF4-FFF2-40B4-BE49-F238E27FC236}">
-                <a16:creationId xmlns:a16="http://schemas.microsoft.com/office/drawing/2014/main" id="{F0D7E078-CE0A-4FDF-B293-FE35A5021F9A}"/>
+                <a16:creationId xmlns:a16="http://schemas.microsoft.com/office/drawing/2014/main" id="{CCC3D96B-20FA-4889-B2A6-41B80C48C825}"/>
               </a:ext>
             </a:extLst>
           </p:cNvPr>
@@ -7054,102 +8443,102 @@
         </p:nvSpPr>
         <p:spPr/>
         <p:txBody>
-          <a:bodyPr>
-            <a:normAutofit fontScale="92500" lnSpcReduction="10000"/>
-          </a:bodyPr>
-          <a:lstStyle/>
-          <a:p>
+          <a:bodyPr/>
+          <a:lstStyle/>
+          <a:p>
+            <a:r>
+              <a:rPr lang="en-US" dirty="0"/>
+              <a:t>HTTP module</a:t>
+            </a:r>
+          </a:p>
+          <a:p>
+            <a:pPr lvl="1"/>
             <a:r>
               <a:rPr lang="en-US" dirty="0">
-                <a:solidFill>
-                  <a:srgbClr val="00B050"/>
-                </a:solidFill>
+                <a:hlinkClick r:id="rId3"/>
               </a:rPr>
-              <a:t>What is Node.js?</a:t>
-            </a:r>
-          </a:p>
-          <a:p>
+              <a:t>https://nodejs.org/dist/latest-v16.x/docs/api/http.html</a:t>
+            </a:r>
+            <a:endParaRPr lang="en-US" dirty="0"/>
+          </a:p>
+          <a:p>
+            <a:pPr lvl="1"/>
             <a:r>
               <a:rPr lang="en-US" dirty="0">
-                <a:solidFill>
-                  <a:srgbClr val="00B050"/>
-                </a:solidFill>
+                <a:latin typeface="Consolas" panose="020B0609020204030204" pitchFamily="49" charset="0"/>
               </a:rPr>
-              <a:t>Node.js built-in modules</a:t>
-            </a:r>
-          </a:p>
-          <a:p>
+              <a:t>const http = require(‘http’);</a:t>
+            </a:r>
+          </a:p>
+          <a:p>
+            <a:pPr lvl="1"/>
+            <a:r>
+              <a:rPr lang="en-US" dirty="0">
+                <a:latin typeface="Consolas" panose="020B0609020204030204" pitchFamily="49" charset="0"/>
+              </a:rPr>
+              <a:t>const server = http.createServer();</a:t>
+            </a:r>
+          </a:p>
+          <a:p>
+            <a:pPr lvl="1"/>
+            <a:r>
+              <a:rPr lang="en-US" dirty="0" err="1">
+                <a:latin typeface="Consolas" panose="020B0609020204030204" pitchFamily="49" charset="0"/>
+              </a:rPr>
+              <a:t>Server.listen</a:t>
+            </a:r>
+            <a:r>
+              <a:rPr lang="en-US" dirty="0">
+                <a:latin typeface="Consolas" panose="020B0609020204030204" pitchFamily="49" charset="0"/>
+              </a:rPr>
+              <a:t>(3000);</a:t>
+            </a:r>
+          </a:p>
+          <a:p>
+            <a:pPr lvl="1"/>
             <a:r>
               <a:rPr lang="en-US" dirty="0"/>
-              <a:t>NPM</a:t>
-            </a:r>
-          </a:p>
-          <a:p>
+              <a:t>Event:</a:t>
+            </a:r>
+          </a:p>
+          <a:p>
+            <a:pPr lvl="2"/>
+            <a:r>
+              <a:rPr lang="en-US" dirty="0" err="1">
+                <a:latin typeface="Consolas" panose="020B0609020204030204" pitchFamily="49" charset="0"/>
+              </a:rPr>
+              <a:t>server.on</a:t>
+            </a:r>
+            <a:r>
+              <a:rPr lang="en-US" dirty="0">
+                <a:latin typeface="Consolas" panose="020B0609020204030204" pitchFamily="49" charset="0"/>
+              </a:rPr>
+              <a:t>(‘connection’, function(socket){});</a:t>
+            </a:r>
+          </a:p>
+          <a:p>
+            <a:pPr lvl="1"/>
             <a:r>
               <a:rPr lang="en-US" dirty="0"/>
-              <a:t>Asynchronous js</a:t>
-            </a:r>
-          </a:p>
-          <a:p>
+              <a:t>Request, Response</a:t>
+            </a:r>
+          </a:p>
+          <a:p>
+            <a:pPr lvl="2"/>
             <a:r>
               <a:rPr lang="en-US" dirty="0">
-                <a:solidFill>
-                  <a:schemeClr val="tx1">
-                    <a:lumMod val="50000"/>
-                  </a:schemeClr>
-                </a:solidFill>
+                <a:latin typeface="Consolas" panose="020B0609020204030204" pitchFamily="49" charset="0"/>
               </a:rPr>
-              <a:t>Built RESTFUL API using Node.js, Express &amp; Javascript</a:t>
-            </a:r>
-          </a:p>
-          <a:p>
-            <a:r>
-              <a:rPr lang="en-US" dirty="0">
-                <a:solidFill>
-                  <a:schemeClr val="tx1">
-                    <a:lumMod val="50000"/>
-                  </a:schemeClr>
-                </a:solidFill>
-              </a:rPr>
-              <a:t>Typescript</a:t>
-            </a:r>
-          </a:p>
-          <a:p>
-            <a:r>
-              <a:rPr lang="en-US" dirty="0">
-                <a:solidFill>
-                  <a:schemeClr val="tx1">
-                    <a:lumMod val="50000"/>
-                  </a:schemeClr>
-                </a:solidFill>
-              </a:rPr>
-              <a:t>Build a RESTful API with Node.js, Express &amp; TypeScript</a:t>
-            </a:r>
-          </a:p>
-          <a:p>
-            <a:r>
-              <a:rPr lang="en-US" dirty="0">
-                <a:solidFill>
-                  <a:schemeClr val="tx1">
-                    <a:lumMod val="50000"/>
-                  </a:schemeClr>
-                </a:solidFill>
-              </a:rPr>
-              <a:t>Express – advanced topics:</a:t>
-            </a:r>
+              <a:t>const server = http.createServer((req, res) =&gt; {});</a:t>
+            </a:r>
+          </a:p>
+          <a:p>
+            <a:pPr lvl="2"/>
+            <a:endParaRPr lang="en-US" dirty="0"/>
           </a:p>
           <a:p>
             <a:pPr lvl="1"/>
-            <a:r>
-              <a:rPr lang="en-US" dirty="0">
-                <a:solidFill>
-                  <a:schemeClr val="tx1">
-                    <a:lumMod val="50000"/>
-                  </a:schemeClr>
-                </a:solidFill>
-              </a:rPr>
-              <a:t>Middlewares, Environments, Configuration, Debugging, Template engines, Structuring folders, </a:t>
-            </a:r>
+            <a:endParaRPr lang="en-US" dirty="0"/>
           </a:p>
         </p:txBody>
       </p:sp>
@@ -7158,7 +8547,7 @@
           <p:cNvPr id="4" name="Footer Placeholder 3">
             <a:extLst>
               <a:ext uri="{FF2B5EF4-FFF2-40B4-BE49-F238E27FC236}">
-                <a16:creationId xmlns:a16="http://schemas.microsoft.com/office/drawing/2014/main" id="{733D735D-8284-46D4-BF79-DB3A6431E2ED}"/>
+                <a16:creationId xmlns:a16="http://schemas.microsoft.com/office/drawing/2014/main" id="{4DD78F8B-2125-4D05-BF39-752FEF9F6FED}"/>
               </a:ext>
             </a:extLst>
           </p:cNvPr>
@@ -7187,7 +8576,7 @@
           <p:cNvPr id="5" name="Slide Number Placeholder 4">
             <a:extLst>
               <a:ext uri="{FF2B5EF4-FFF2-40B4-BE49-F238E27FC236}">
-                <a16:creationId xmlns:a16="http://schemas.microsoft.com/office/drawing/2014/main" id="{AA6AEFB7-0117-4B34-8953-7D1966610555}"/>
+                <a16:creationId xmlns:a16="http://schemas.microsoft.com/office/drawing/2014/main" id="{153FADE9-C4B0-4D5F-9746-9A444D3A6240}"/>
               </a:ext>
             </a:extLst>
           </p:cNvPr>
@@ -7214,7 +8603,7 @@
     </p:spTree>
     <p:extLst>
       <p:ext uri="{BB962C8B-B14F-4D97-AF65-F5344CB8AC3E}">
-        <p14:creationId xmlns:p14="http://schemas.microsoft.com/office/powerpoint/2010/main" val="1628682045"/>
+        <p14:creationId xmlns:p14="http://schemas.microsoft.com/office/powerpoint/2010/main" val="441657819"/>
       </p:ext>
     </p:extLst>
   </p:cSld>
@@ -7246,7 +8635,7 @@
           <p:cNvPr id="2" name="Title 1">
             <a:extLst>
               <a:ext uri="{FF2B5EF4-FFF2-40B4-BE49-F238E27FC236}">
-                <a16:creationId xmlns:a16="http://schemas.microsoft.com/office/drawing/2014/main" id="{4E7BC393-CA2B-457A-ACD5-DC19A164A970}"/>
+                <a16:creationId xmlns:a16="http://schemas.microsoft.com/office/drawing/2014/main" id="{B8346FEF-F350-495B-85B4-854BFFD1C5B2}"/>
               </a:ext>
             </a:extLst>
           </p:cNvPr>
@@ -7264,7 +8653,7 @@
           <a:p>
             <a:r>
               <a:rPr lang="en-US" dirty="0"/>
-              <a:t>Demo</a:t>
+              <a:t>Course Structure</a:t>
             </a:r>
           </a:p>
         </p:txBody>
@@ -7274,7 +8663,7 @@
           <p:cNvPr id="3" name="Content Placeholder 2">
             <a:extLst>
               <a:ext uri="{FF2B5EF4-FFF2-40B4-BE49-F238E27FC236}">
-                <a16:creationId xmlns:a16="http://schemas.microsoft.com/office/drawing/2014/main" id="{CCC3D96B-20FA-4889-B2A6-41B80C48C825}"/>
+                <a16:creationId xmlns:a16="http://schemas.microsoft.com/office/drawing/2014/main" id="{F0D7E078-CE0A-4FDF-B293-FE35A5021F9A}"/>
               </a:ext>
             </a:extLst>
           </p:cNvPr>
@@ -7287,102 +8676,102 @@
         </p:nvSpPr>
         <p:spPr/>
         <p:txBody>
-          <a:bodyPr/>
-          <a:lstStyle/>
+          <a:bodyPr>
+            <a:normAutofit fontScale="92500" lnSpcReduction="10000"/>
+          </a:bodyPr>
+          <a:lstStyle/>
+          <a:p>
+            <a:r>
+              <a:rPr lang="en-US" dirty="0">
+                <a:solidFill>
+                  <a:srgbClr val="00B050"/>
+                </a:solidFill>
+              </a:rPr>
+              <a:t>What is Node.js?</a:t>
+            </a:r>
+          </a:p>
+          <a:p>
+            <a:r>
+              <a:rPr lang="en-US" dirty="0">
+                <a:solidFill>
+                  <a:srgbClr val="00B050"/>
+                </a:solidFill>
+              </a:rPr>
+              <a:t>Node.js built-in modules</a:t>
+            </a:r>
+          </a:p>
           <a:p>
             <a:r>
               <a:rPr lang="en-US" dirty="0"/>
-              <a:t>HTTP module</a:t>
+              <a:t>NPM</a:t>
+            </a:r>
+          </a:p>
+          <a:p>
+            <a:r>
+              <a:rPr lang="en-US" dirty="0"/>
+              <a:t>Asynchronous js</a:t>
+            </a:r>
+          </a:p>
+          <a:p>
+            <a:r>
+              <a:rPr lang="en-US" dirty="0">
+                <a:solidFill>
+                  <a:schemeClr val="tx1">
+                    <a:lumMod val="50000"/>
+                  </a:schemeClr>
+                </a:solidFill>
+              </a:rPr>
+              <a:t>Built RESTFUL API using Node.js, Express &amp; Javascript</a:t>
+            </a:r>
+          </a:p>
+          <a:p>
+            <a:r>
+              <a:rPr lang="en-US" dirty="0">
+                <a:solidFill>
+                  <a:schemeClr val="tx1">
+                    <a:lumMod val="50000"/>
+                  </a:schemeClr>
+                </a:solidFill>
+              </a:rPr>
+              <a:t>Typescript</a:t>
+            </a:r>
+          </a:p>
+          <a:p>
+            <a:r>
+              <a:rPr lang="en-US" dirty="0">
+                <a:solidFill>
+                  <a:schemeClr val="tx1">
+                    <a:lumMod val="50000"/>
+                  </a:schemeClr>
+                </a:solidFill>
+              </a:rPr>
+              <a:t>Build a RESTful API with Node.js, Express &amp; TypeScript</a:t>
+            </a:r>
+          </a:p>
+          <a:p>
+            <a:r>
+              <a:rPr lang="en-US" dirty="0">
+                <a:solidFill>
+                  <a:schemeClr val="tx1">
+                    <a:lumMod val="50000"/>
+                  </a:schemeClr>
+                </a:solidFill>
+              </a:rPr>
+              <a:t>Express – advanced topics:</a:t>
             </a:r>
           </a:p>
           <a:p>
             <a:pPr lvl="1"/>
             <a:r>
               <a:rPr lang="en-US" dirty="0">
-                <a:hlinkClick r:id="rId3"/>
+                <a:solidFill>
+                  <a:schemeClr val="tx1">
+                    <a:lumMod val="50000"/>
+                  </a:schemeClr>
+                </a:solidFill>
               </a:rPr>
-              <a:t>https://nodejs.org/dist/latest-v16.x/docs/api/http.html</a:t>
-            </a:r>
-            <a:endParaRPr lang="en-US" dirty="0"/>
-          </a:p>
-          <a:p>
-            <a:pPr lvl="1"/>
-            <a:r>
-              <a:rPr lang="en-US" dirty="0">
-                <a:latin typeface="Consolas" panose="020B0609020204030204" pitchFamily="49" charset="0"/>
-              </a:rPr>
-              <a:t>const http = require(‘http’);</a:t>
-            </a:r>
-          </a:p>
-          <a:p>
-            <a:pPr lvl="1"/>
-            <a:r>
-              <a:rPr lang="en-US" dirty="0">
-                <a:latin typeface="Consolas" panose="020B0609020204030204" pitchFamily="49" charset="0"/>
-              </a:rPr>
-              <a:t>const server = http.createServer();</a:t>
-            </a:r>
-          </a:p>
-          <a:p>
-            <a:pPr lvl="1"/>
-            <a:r>
-              <a:rPr lang="en-US" dirty="0" err="1">
-                <a:latin typeface="Consolas" panose="020B0609020204030204" pitchFamily="49" charset="0"/>
-              </a:rPr>
-              <a:t>Server.listen</a:t>
-            </a:r>
-            <a:r>
-              <a:rPr lang="en-US" dirty="0">
-                <a:latin typeface="Consolas" panose="020B0609020204030204" pitchFamily="49" charset="0"/>
-              </a:rPr>
-              <a:t>(3000);</a:t>
-            </a:r>
-          </a:p>
-          <a:p>
-            <a:pPr lvl="1"/>
-            <a:r>
-              <a:rPr lang="en-US" dirty="0"/>
-              <a:t>Event:</a:t>
-            </a:r>
-          </a:p>
-          <a:p>
-            <a:pPr lvl="2"/>
-            <a:r>
-              <a:rPr lang="en-US" dirty="0" err="1">
-                <a:latin typeface="Consolas" panose="020B0609020204030204" pitchFamily="49" charset="0"/>
-              </a:rPr>
-              <a:t>server.on</a:t>
-            </a:r>
-            <a:r>
-              <a:rPr lang="en-US" dirty="0">
-                <a:latin typeface="Consolas" panose="020B0609020204030204" pitchFamily="49" charset="0"/>
-              </a:rPr>
-              <a:t>(‘connection’, function(socket){});</a:t>
-            </a:r>
-          </a:p>
-          <a:p>
-            <a:pPr lvl="1"/>
-            <a:r>
-              <a:rPr lang="en-US" dirty="0"/>
-              <a:t>Request, Response</a:t>
-            </a:r>
-          </a:p>
-          <a:p>
-            <a:pPr lvl="2"/>
-            <a:r>
-              <a:rPr lang="en-US" dirty="0">
-                <a:latin typeface="Consolas" panose="020B0609020204030204" pitchFamily="49" charset="0"/>
-              </a:rPr>
-              <a:t>const server = http.createServer((req, res) =&gt; {});</a:t>
-            </a:r>
-          </a:p>
-          <a:p>
-            <a:pPr lvl="2"/>
-            <a:endParaRPr lang="en-US" dirty="0"/>
-          </a:p>
-          <a:p>
-            <a:pPr lvl="1"/>
-            <a:endParaRPr lang="en-US" dirty="0"/>
+              <a:t>Middlewares, Environments, Configuration, Debugging, Template engines, Structuring folders, </a:t>
+            </a:r>
           </a:p>
         </p:txBody>
       </p:sp>
@@ -7391,7 +8780,7 @@
           <p:cNvPr id="4" name="Footer Placeholder 3">
             <a:extLst>
               <a:ext uri="{FF2B5EF4-FFF2-40B4-BE49-F238E27FC236}">
-                <a16:creationId xmlns:a16="http://schemas.microsoft.com/office/drawing/2014/main" id="{4DD78F8B-2125-4D05-BF39-752FEF9F6FED}"/>
+                <a16:creationId xmlns:a16="http://schemas.microsoft.com/office/drawing/2014/main" id="{733D735D-8284-46D4-BF79-DB3A6431E2ED}"/>
               </a:ext>
             </a:extLst>
           </p:cNvPr>
@@ -7420,7 +8809,7 @@
           <p:cNvPr id="5" name="Slide Number Placeholder 4">
             <a:extLst>
               <a:ext uri="{FF2B5EF4-FFF2-40B4-BE49-F238E27FC236}">
-                <a16:creationId xmlns:a16="http://schemas.microsoft.com/office/drawing/2014/main" id="{153FADE9-C4B0-4D5F-9746-9A444D3A6240}"/>
+                <a16:creationId xmlns:a16="http://schemas.microsoft.com/office/drawing/2014/main" id="{AA6AEFB7-0117-4B34-8953-7D1966610555}"/>
               </a:ext>
             </a:extLst>
           </p:cNvPr>
@@ -7447,7 +8836,7 @@
     </p:spTree>
     <p:extLst>
       <p:ext uri="{BB962C8B-B14F-4D97-AF65-F5344CB8AC3E}">
-        <p14:creationId xmlns:p14="http://schemas.microsoft.com/office/powerpoint/2010/main" val="441657819"/>
+        <p14:creationId xmlns:p14="http://schemas.microsoft.com/office/powerpoint/2010/main" val="1628682045"/>
       </p:ext>
     </p:extLst>
   </p:cSld>
@@ -7479,7 +8868,7 @@
           <p:cNvPr id="2" name="Title 1">
             <a:extLst>
               <a:ext uri="{FF2B5EF4-FFF2-40B4-BE49-F238E27FC236}">
-                <a16:creationId xmlns:a16="http://schemas.microsoft.com/office/drawing/2014/main" id="{A4EAEE84-852F-4178-BCE1-2D4C6D8F256E}"/>
+                <a16:creationId xmlns:a16="http://schemas.microsoft.com/office/drawing/2014/main" id="{CF20A905-680D-4866-A8D8-B7BD835C8EA4}"/>
               </a:ext>
             </a:extLst>
           </p:cNvPr>
@@ -7497,9 +8886,8 @@
           <a:p>
             <a:r>
               <a:rPr lang="en-US" dirty="0"/>
-              <a:t>Demo</a:t>
-            </a:r>
-            <a:endParaRPr lang="fa-IR" dirty="0"/>
+              <a:t>NPM</a:t>
+            </a:r>
           </a:p>
         </p:txBody>
       </p:sp>
@@ -7508,7 +8896,7 @@
           <p:cNvPr id="3" name="Content Placeholder 2">
             <a:extLst>
               <a:ext uri="{FF2B5EF4-FFF2-40B4-BE49-F238E27FC236}">
-                <a16:creationId xmlns:a16="http://schemas.microsoft.com/office/drawing/2014/main" id="{7AB22717-BC31-4D59-9835-AA46E2F1EB06}"/>
+                <a16:creationId xmlns:a16="http://schemas.microsoft.com/office/drawing/2014/main" id="{9F1AE551-3208-4A36-A36C-B108F1B67B80}"/>
               </a:ext>
             </a:extLst>
           </p:cNvPr>
@@ -7526,84 +8914,50 @@
           <a:p>
             <a:r>
               <a:rPr lang="en-US" dirty="0"/>
-              <a:t>Code flow</a:t>
+              <a:t>Command line tool</a:t>
+            </a:r>
+          </a:p>
+          <a:p>
+            <a:r>
+              <a:rPr lang="en-US" dirty="0"/>
+              <a:t>Has a built-in registry for all packages that provided by community</a:t>
+            </a:r>
+          </a:p>
+          <a:p>
+            <a:r>
+              <a:rPr lang="en-US" dirty="0"/>
+              <a:t>You can also have a private registry</a:t>
+            </a:r>
+          </a:p>
+          <a:p>
+            <a:r>
+              <a:rPr lang="en-US" dirty="0"/>
+              <a:t>Over 1.3 million packages (until now – 2021/29/11)</a:t>
+            </a:r>
+          </a:p>
+          <a:p>
+            <a:r>
+              <a:rPr lang="en-US" dirty="0"/>
+              <a:t>npm comes with node</a:t>
             </a:r>
           </a:p>
           <a:p>
             <a:pPr lvl="1"/>
             <a:r>
-              <a:rPr lang="en-US" dirty="0"/>
-              <a:t>Using </a:t>
-            </a:r>
-            <a:r>
-              <a:rPr lang="en-US" dirty="0" err="1"/>
-              <a:t>setTimeout</a:t>
-            </a:r>
-            <a:endParaRPr lang="en-US" dirty="0"/>
-          </a:p>
-          <a:p>
-            <a:pPr lvl="1"/>
-            <a:r>
-              <a:rPr lang="en-US" dirty="0"/>
-              <a:t>Asynchronous is not concurrency, or multithreading.</a:t>
-            </a:r>
-          </a:p>
-          <a:p>
-            <a:r>
-              <a:rPr lang="en-US" dirty="0"/>
-              <a:t>Use patterns</a:t>
-            </a:r>
-          </a:p>
-          <a:p>
-            <a:pPr lvl="1"/>
-            <a:r>
-              <a:rPr lang="en-US" dirty="0"/>
-              <a:t>Make program more real, using function</a:t>
-            </a:r>
-          </a:p>
-          <a:p>
-            <a:pPr lvl="1"/>
-            <a:r>
-              <a:rPr lang="en-US" dirty="0"/>
-              <a:t>How to return a value properly (with </a:t>
-            </a:r>
-            <a:r>
-              <a:rPr lang="en-US" dirty="0" err="1"/>
-              <a:t>setTimeout</a:t>
-            </a:r>
-            <a:r>
-              <a:rPr lang="en-US" dirty="0"/>
-              <a:t> in a function)</a:t>
-            </a:r>
-          </a:p>
-          <a:p>
-            <a:pPr lvl="1"/>
-            <a:r>
-              <a:rPr lang="en-US" dirty="0"/>
-              <a:t>Patterns:</a:t>
-            </a:r>
-          </a:p>
-          <a:p>
-            <a:pPr lvl="2"/>
-            <a:r>
-              <a:rPr lang="en-US" dirty="0"/>
-              <a:t>Callbacks</a:t>
-            </a:r>
-          </a:p>
-          <a:p>
-            <a:pPr lvl="2"/>
-            <a:r>
-              <a:rPr lang="en-US" dirty="0"/>
-              <a:t>Promises</a:t>
-            </a:r>
-          </a:p>
-          <a:p>
-            <a:pPr lvl="2"/>
-            <a:r>
-              <a:rPr lang="en-US" dirty="0"/>
-              <a:t>Async/await (some syntactical sugar over promises)</a:t>
-            </a:r>
-            <a:endParaRPr lang="fa-IR" dirty="0"/>
+              <a:rPr lang="en-US" dirty="0">
+                <a:latin typeface="Consolas" panose="020B0609020204030204" pitchFamily="49" charset="0"/>
+              </a:rPr>
+              <a:t>npm –v</a:t>
+            </a:r>
+          </a:p>
+          <a:p>
+            <a:endParaRPr lang="en-US" dirty="0"/>
+          </a:p>
+          <a:p>
+            <a:endParaRPr lang="en-US" dirty="0"/>
+          </a:p>
+          <a:p>
+            <a:endParaRPr lang="en-US" dirty="0"/>
           </a:p>
         </p:txBody>
       </p:sp>
@@ -7612,7 +8966,7 @@
           <p:cNvPr id="4" name="Footer Placeholder 3">
             <a:extLst>
               <a:ext uri="{FF2B5EF4-FFF2-40B4-BE49-F238E27FC236}">
-                <a16:creationId xmlns:a16="http://schemas.microsoft.com/office/drawing/2014/main" id="{4FE306E4-9DE3-4971-8DD4-7A5CD0012795}"/>
+                <a16:creationId xmlns:a16="http://schemas.microsoft.com/office/drawing/2014/main" id="{A7DA5D7E-D2B2-4969-9D18-37E89D839CFF}"/>
               </a:ext>
             </a:extLst>
           </p:cNvPr>
@@ -7641,7 +8995,7 @@
           <p:cNvPr id="5" name="Slide Number Placeholder 4">
             <a:extLst>
               <a:ext uri="{FF2B5EF4-FFF2-40B4-BE49-F238E27FC236}">
-                <a16:creationId xmlns:a16="http://schemas.microsoft.com/office/drawing/2014/main" id="{42406A1B-C90A-439C-B1ED-91BF029BC7E7}"/>
+                <a16:creationId xmlns:a16="http://schemas.microsoft.com/office/drawing/2014/main" id="{23344B12-A875-48F1-BFC2-67F86677C165}"/>
               </a:ext>
             </a:extLst>
           </p:cNvPr>
@@ -7668,7 +9022,7 @@
     </p:spTree>
     <p:extLst>
       <p:ext uri="{BB962C8B-B14F-4D97-AF65-F5344CB8AC3E}">
-        <p14:creationId xmlns:p14="http://schemas.microsoft.com/office/powerpoint/2010/main" val="3730654980"/>
+        <p14:creationId xmlns:p14="http://schemas.microsoft.com/office/powerpoint/2010/main" val="2666353650"/>
       </p:ext>
     </p:extLst>
   </p:cSld>
@@ -7700,7 +9054,7 @@
           <p:cNvPr id="2" name="Title 1">
             <a:extLst>
               <a:ext uri="{FF2B5EF4-FFF2-40B4-BE49-F238E27FC236}">
-                <a16:creationId xmlns:a16="http://schemas.microsoft.com/office/drawing/2014/main" id="{2F3BE0BA-F43C-4D7F-BCB6-B0DAA783501C}"/>
+                <a16:creationId xmlns:a16="http://schemas.microsoft.com/office/drawing/2014/main" id="{3317157E-6586-4699-A846-C0B2DAD3B2FF}"/>
               </a:ext>
             </a:extLst>
           </p:cNvPr>
@@ -7720,7 +9074,6 @@
               <a:rPr lang="en-US" dirty="0"/>
               <a:t>Demo</a:t>
             </a:r>
-            <a:endParaRPr lang="fa-IR" dirty="0"/>
           </a:p>
         </p:txBody>
       </p:sp>
@@ -7729,7 +9082,7 @@
           <p:cNvPr id="3" name="Content Placeholder 2">
             <a:extLst>
               <a:ext uri="{FF2B5EF4-FFF2-40B4-BE49-F238E27FC236}">
-                <a16:creationId xmlns:a16="http://schemas.microsoft.com/office/drawing/2014/main" id="{8E4C6390-90A3-4069-B137-1C755E19886C}"/>
+                <a16:creationId xmlns:a16="http://schemas.microsoft.com/office/drawing/2014/main" id="{807D83D5-C670-447D-AE2E-5E644F358B3E}"/>
               </a:ext>
             </a:extLst>
           </p:cNvPr>
@@ -7742,96 +9095,71 @@
         </p:nvSpPr>
         <p:spPr/>
         <p:txBody>
-          <a:bodyPr>
-            <a:normAutofit fontScale="92500" lnSpcReduction="20000"/>
-          </a:bodyPr>
+          <a:bodyPr/>
           <a:lstStyle/>
           <a:p>
             <a:r>
               <a:rPr lang="en-US" dirty="0"/>
-              <a:t>Promise</a:t>
+              <a:t>package.json</a:t>
             </a:r>
           </a:p>
           <a:p>
             <a:pPr lvl="1"/>
             <a:r>
+              <a:rPr lang="en-US" dirty="0">
+                <a:latin typeface="Consolas" panose="020B0609020204030204" pitchFamily="49" charset="0"/>
+              </a:rPr>
+              <a:t>npm </a:t>
+            </a:r>
+            <a:r>
+              <a:rPr lang="en-US" dirty="0" err="1">
+                <a:latin typeface="Consolas" panose="020B0609020204030204" pitchFamily="49" charset="0"/>
+              </a:rPr>
+              <a:t>init</a:t>
+            </a:r>
+            <a:endParaRPr lang="en-US" dirty="0">
+              <a:latin typeface="Consolas" panose="020B0609020204030204" pitchFamily="49" charset="0"/>
+            </a:endParaRPr>
+          </a:p>
+          <a:p>
+            <a:pPr lvl="1"/>
+            <a:r>
               <a:rPr lang="en-US" dirty="0"/>
-              <a:t>Holds the eventual result of an asynchronous operation</a:t>
-            </a:r>
-          </a:p>
-          <a:p>
-            <a:pPr lvl="2"/>
+              <a:t>Stores metadata of our project</a:t>
+            </a:r>
+          </a:p>
+          <a:p>
+            <a:pPr lvl="1"/>
             <a:r>
               <a:rPr lang="en-US" dirty="0"/>
-              <a:t>Value or error</a:t>
+              <a:t>You have to create this file before adding any packages to your project</a:t>
             </a:r>
           </a:p>
           <a:p>
             <a:pPr lvl="1"/>
             <a:r>
+              <a:rPr lang="en-US" dirty="0">
+                <a:latin typeface="Consolas" panose="020B0609020204030204" pitchFamily="49" charset="0"/>
+              </a:rPr>
+              <a:t>npm install</a:t>
+            </a:r>
+          </a:p>
+          <a:p>
+            <a:pPr lvl="1"/>
+            <a:r>
               <a:rPr lang="en-US" dirty="0"/>
-              <a:t>States:</a:t>
-            </a:r>
-          </a:p>
-          <a:p>
-            <a:pPr lvl="2"/>
+              <a:t>What is </a:t>
+            </a:r>
+            <a:r>
+              <a:rPr lang="en-US" dirty="0" err="1">
+                <a:latin typeface="Consolas" panose="020B0609020204030204" pitchFamily="49" charset="0"/>
+              </a:rPr>
+              <a:t>node_modules</a:t>
+            </a:r>
             <a:r>
               <a:rPr lang="en-US" dirty="0"/>
-              <a:t>Pending</a:t>
-            </a:r>
-          </a:p>
-          <a:p>
-            <a:pPr lvl="2"/>
-            <a:r>
-              <a:rPr lang="en-US" dirty="0"/>
-              <a:t>Fulfilled (value)</a:t>
-            </a:r>
-          </a:p>
-          <a:p>
-            <a:pPr lvl="2"/>
-            <a:r>
-              <a:rPr lang="en-US" dirty="0"/>
-              <a:t>Rejected (error)</a:t>
-            </a:r>
-          </a:p>
-          <a:p>
-            <a:pPr lvl="1"/>
-            <a:r>
-              <a:rPr lang="en-US" dirty="0"/>
-              <a:t>then, catch</a:t>
-            </a:r>
-          </a:p>
-          <a:p>
-            <a:pPr lvl="1"/>
-            <a:r>
-              <a:rPr lang="en-US" dirty="0"/>
-              <a:t>Chaining</a:t>
-            </a:r>
-          </a:p>
-          <a:p>
-            <a:pPr lvl="1"/>
-            <a:r>
-              <a:rPr lang="en-US" dirty="0"/>
-              <a:t>Replacing callbacks with promises</a:t>
-            </a:r>
-          </a:p>
-          <a:p>
-            <a:pPr lvl="1"/>
-            <a:r>
-              <a:rPr lang="en-US" dirty="0"/>
-              <a:t>Single error handler after multiple then</a:t>
-            </a:r>
-          </a:p>
-          <a:p>
-            <a:pPr lvl="1"/>
-            <a:r>
-              <a:rPr lang="en-US" dirty="0"/>
-              <a:t>Use Error class to get call stack</a:t>
-            </a:r>
-          </a:p>
-          <a:p>
-            <a:pPr lvl="1"/>
-            <a:endParaRPr lang="fa-IR" dirty="0"/>
+              <a:t>?</a:t>
+            </a:r>
           </a:p>
         </p:txBody>
       </p:sp>
@@ -7840,7 +9168,7 @@
           <p:cNvPr id="4" name="Footer Placeholder 3">
             <a:extLst>
               <a:ext uri="{FF2B5EF4-FFF2-40B4-BE49-F238E27FC236}">
-                <a16:creationId xmlns:a16="http://schemas.microsoft.com/office/drawing/2014/main" id="{E2B7CC5A-657C-4596-B99F-19E8EE0AB860}"/>
+                <a16:creationId xmlns:a16="http://schemas.microsoft.com/office/drawing/2014/main" id="{299BB447-349F-4971-B073-3802B4472D8A}"/>
               </a:ext>
             </a:extLst>
           </p:cNvPr>
@@ -7869,7 +9197,7 @@
           <p:cNvPr id="5" name="Slide Number Placeholder 4">
             <a:extLst>
               <a:ext uri="{FF2B5EF4-FFF2-40B4-BE49-F238E27FC236}">
-                <a16:creationId xmlns:a16="http://schemas.microsoft.com/office/drawing/2014/main" id="{20F59E33-77D5-49AE-B39F-DA879584E7B8}"/>
+                <a16:creationId xmlns:a16="http://schemas.microsoft.com/office/drawing/2014/main" id="{CE5C9BF1-45A6-46F1-BB4A-B07EA8958D0D}"/>
               </a:ext>
             </a:extLst>
           </p:cNvPr>
@@ -7896,7 +9224,7 @@
     </p:spTree>
     <p:extLst>
       <p:ext uri="{BB962C8B-B14F-4D97-AF65-F5344CB8AC3E}">
-        <p14:creationId xmlns:p14="http://schemas.microsoft.com/office/powerpoint/2010/main" val="2638950099"/>
+        <p14:creationId xmlns:p14="http://schemas.microsoft.com/office/powerpoint/2010/main" val="2424312520"/>
       </p:ext>
     </p:extLst>
   </p:cSld>
@@ -7928,7 +9256,7 @@
           <p:cNvPr id="2" name="Title 1">
             <a:extLst>
               <a:ext uri="{FF2B5EF4-FFF2-40B4-BE49-F238E27FC236}">
-                <a16:creationId xmlns:a16="http://schemas.microsoft.com/office/drawing/2014/main" id="{52BABB8D-276B-4375-BFFE-65BC43820BC6}"/>
+                <a16:creationId xmlns:a16="http://schemas.microsoft.com/office/drawing/2014/main" id="{4D0F0C1E-866F-4897-84D0-2C409F3AFDDA}"/>
               </a:ext>
             </a:extLst>
           </p:cNvPr>
@@ -7948,7 +9276,6 @@
               <a:rPr lang="en-US" dirty="0"/>
               <a:t>Demo</a:t>
             </a:r>
-            <a:endParaRPr lang="fa-IR" dirty="0"/>
           </a:p>
         </p:txBody>
       </p:sp>
@@ -7957,7 +9284,7 @@
           <p:cNvPr id="3" name="Content Placeholder 2">
             <a:extLst>
               <a:ext uri="{FF2B5EF4-FFF2-40B4-BE49-F238E27FC236}">
-                <a16:creationId xmlns:a16="http://schemas.microsoft.com/office/drawing/2014/main" id="{31945DA0-6619-46B8-A3F5-C5D831CCED8A}"/>
+                <a16:creationId xmlns:a16="http://schemas.microsoft.com/office/drawing/2014/main" id="{DDA5E6F9-54A6-4DBB-908D-150F6E46F5BE}"/>
               </a:ext>
             </a:extLst>
           </p:cNvPr>
@@ -7975,59 +9302,14 @@
           <a:p>
             <a:r>
               <a:rPr lang="en-US" dirty="0"/>
-              <a:t>Promise </a:t>
-            </a:r>
-            <a:r>
-              <a:rPr lang="en-US" dirty="0" err="1"/>
-              <a:t>api</a:t>
-            </a:r>
-            <a:endParaRPr lang="en-US" dirty="0"/>
+              <a:t>Search for package</a:t>
+            </a:r>
           </a:p>
           <a:p>
             <a:pPr lvl="1"/>
             <a:r>
-              <a:rPr lang="en-US" dirty="0" err="1"/>
-              <a:t>Promise.resolve</a:t>
-            </a:r>
-            <a:r>
               <a:rPr lang="en-US" dirty="0"/>
-              <a:t>();</a:t>
-            </a:r>
-          </a:p>
-          <a:p>
-            <a:pPr lvl="1"/>
-            <a:r>
-              <a:rPr lang="en-US" dirty="0" err="1"/>
-              <a:t>Promise.reject</a:t>
-            </a:r>
-            <a:r>
-              <a:rPr lang="en-US" dirty="0"/>
-              <a:t>();</a:t>
-            </a:r>
-          </a:p>
-          <a:p>
-            <a:pPr lvl="1"/>
-            <a:r>
-              <a:rPr lang="en-US" dirty="0" err="1"/>
-              <a:t>Promise.all</a:t>
-            </a:r>
-            <a:r>
-              <a:rPr lang="en-US" dirty="0"/>
-              <a:t>([]);</a:t>
-            </a:r>
-          </a:p>
-          <a:p>
-            <a:pPr lvl="2"/>
-            <a:r>
-              <a:rPr lang="en-US" dirty="0"/>
-              <a:t>Return new promise, when all the promises in the array are resolved.</a:t>
-            </a:r>
-          </a:p>
-          <a:p>
-            <a:pPr lvl="2"/>
-            <a:r>
-              <a:rPr lang="en-US" dirty="0"/>
-              <a:t>They aren’t concurrent </a:t>
+              <a:t>How to find the best pack in this ocean </a:t>
             </a:r>
             <a:r>
               <a:rPr lang="en-US" dirty="0">
@@ -8039,54 +9321,77 @@
           <a:p>
             <a:pPr lvl="2"/>
             <a:r>
+              <a:rPr lang="en-US" dirty="0"/>
+              <a:t>Check it’s community, popularity, maintenance, …</a:t>
+            </a:r>
+          </a:p>
+          <a:p>
+            <a:pPr lvl="2"/>
+            <a:r>
+              <a:rPr lang="en-US" dirty="0"/>
+              <a:t>Check it against it’s alternatives:</a:t>
+            </a:r>
+          </a:p>
+          <a:p>
+            <a:pPr lvl="3"/>
+            <a:r>
               <a:rPr lang="en-US" dirty="0">
-                <a:sym typeface="Wingdings" panose="05000000000000000000" pitchFamily="2" charset="2"/>
+                <a:hlinkClick r:id="rId2"/>
               </a:rPr>
-              <a:t>They are all started almost at the same time</a:t>
+              <a:t>https://www.npmtrends.com</a:t>
+            </a:r>
+            <a:endParaRPr lang="en-US" dirty="0"/>
+          </a:p>
+          <a:p>
+            <a:r>
+              <a:rPr lang="en-US" dirty="0"/>
+              <a:t>Use a package</a:t>
+            </a:r>
+          </a:p>
+          <a:p>
+            <a:pPr lvl="1"/>
+            <a:r>
+              <a:rPr lang="en-US" dirty="0">
+                <a:latin typeface="Consolas" panose="020B0609020204030204" pitchFamily="49" charset="0"/>
+              </a:rPr>
+              <a:t>require()</a:t>
+            </a:r>
+          </a:p>
+          <a:p>
+            <a:pPr lvl="1"/>
+            <a:r>
+              <a:rPr lang="en-US" dirty="0">
+                <a:latin typeface="Consolas" panose="020B0609020204030204" pitchFamily="49" charset="0"/>
+              </a:rPr>
+              <a:t>index.js</a:t>
+            </a:r>
+            <a:r>
+              <a:rPr lang="en-US" dirty="0"/>
+              <a:t>?</a:t>
+            </a:r>
+          </a:p>
+          <a:p>
+            <a:pPr lvl="1"/>
+            <a:r>
+              <a:rPr lang="en-US" dirty="0"/>
+              <a:t>Hierarchy:</a:t>
             </a:r>
           </a:p>
           <a:p>
             <a:pPr lvl="2"/>
             <a:r>
-              <a:rPr lang="en-US" dirty="0">
-                <a:sym typeface="Wingdings" panose="05000000000000000000" pitchFamily="2" charset="2"/>
-              </a:rPr>
-              <a:t>How about the error handling?</a:t>
-            </a:r>
-          </a:p>
-          <a:p>
-            <a:pPr lvl="1"/>
-            <a:r>
-              <a:rPr lang="en-US" dirty="0" err="1">
-                <a:sym typeface="Wingdings" panose="05000000000000000000" pitchFamily="2" charset="2"/>
-              </a:rPr>
-              <a:t>Promise.race</a:t>
-            </a:r>
-            <a:r>
-              <a:rPr lang="en-US" dirty="0">
-                <a:sym typeface="Wingdings" panose="05000000000000000000" pitchFamily="2" charset="2"/>
-              </a:rPr>
-              <a:t>([]);</a:t>
-            </a:r>
-          </a:p>
-          <a:p>
-            <a:pPr lvl="2"/>
-            <a:r>
-              <a:rPr lang="en-US" dirty="0">
-                <a:sym typeface="Wingdings" panose="05000000000000000000" pitchFamily="2" charset="2"/>
-              </a:rPr>
-              <a:t>Return new promise, when as soon as one of them are fulfilled</a:t>
-            </a:r>
-          </a:p>
-          <a:p>
-            <a:pPr lvl="2"/>
-            <a:endParaRPr lang="en-US" dirty="0">
-              <a:sym typeface="Wingdings" panose="05000000000000000000" pitchFamily="2" charset="2"/>
-            </a:endParaRPr>
-          </a:p>
-          <a:p>
-            <a:pPr lvl="1"/>
-            <a:endParaRPr lang="fa-IR" dirty="0"/>
+              <a:rPr lang="en-US" dirty="0"/>
+              <a:t>Core, File or folder, </a:t>
+            </a:r>
+            <a:r>
+              <a:rPr lang="en-US" dirty="0" err="1"/>
+              <a:t>node_modules</a:t>
+            </a:r>
+            <a:endParaRPr lang="en-US" dirty="0"/>
+          </a:p>
+          <a:p>
+            <a:pPr lvl="3"/>
+            <a:endParaRPr lang="en-US" dirty="0"/>
           </a:p>
         </p:txBody>
       </p:sp>
@@ -8095,7 +9400,7 @@
           <p:cNvPr id="4" name="Footer Placeholder 3">
             <a:extLst>
               <a:ext uri="{FF2B5EF4-FFF2-40B4-BE49-F238E27FC236}">
-                <a16:creationId xmlns:a16="http://schemas.microsoft.com/office/drawing/2014/main" id="{6D509FBC-91DE-4D92-9D99-00EF7399E2C8}"/>
+                <a16:creationId xmlns:a16="http://schemas.microsoft.com/office/drawing/2014/main" id="{8B7C5A20-0052-4B61-BAC2-FFC39DD346E6}"/>
               </a:ext>
             </a:extLst>
           </p:cNvPr>
@@ -8124,7 +9429,7 @@
           <p:cNvPr id="5" name="Slide Number Placeholder 4">
             <a:extLst>
               <a:ext uri="{FF2B5EF4-FFF2-40B4-BE49-F238E27FC236}">
-                <a16:creationId xmlns:a16="http://schemas.microsoft.com/office/drawing/2014/main" id="{DD947B3E-EE40-47C1-9116-DB3F3D7FB8C7}"/>
+                <a16:creationId xmlns:a16="http://schemas.microsoft.com/office/drawing/2014/main" id="{91D652F4-BAD0-4D27-AE85-689F98A52EBE}"/>
               </a:ext>
             </a:extLst>
           </p:cNvPr>
@@ -8151,7 +9456,7 @@
     </p:spTree>
     <p:extLst>
       <p:ext uri="{BB962C8B-B14F-4D97-AF65-F5344CB8AC3E}">
-        <p14:creationId xmlns:p14="http://schemas.microsoft.com/office/powerpoint/2010/main" val="3959866121"/>
+        <p14:creationId xmlns:p14="http://schemas.microsoft.com/office/powerpoint/2010/main" val="588185088"/>
       </p:ext>
     </p:extLst>
   </p:cSld>
@@ -8183,7 +9488,7 @@
           <p:cNvPr id="2" name="Title 1">
             <a:extLst>
               <a:ext uri="{FF2B5EF4-FFF2-40B4-BE49-F238E27FC236}">
-                <a16:creationId xmlns:a16="http://schemas.microsoft.com/office/drawing/2014/main" id="{6FB0F06B-4F09-4C49-B756-E957ECB0EE69}"/>
+                <a16:creationId xmlns:a16="http://schemas.microsoft.com/office/drawing/2014/main" id="{3C569D21-57B9-40E8-B373-55E0F30A47FC}"/>
               </a:ext>
             </a:extLst>
           </p:cNvPr>
@@ -8201,78 +9506,46 @@
           <a:p>
             <a:r>
               <a:rPr lang="en-US" dirty="0"/>
-              <a:t>Demo</a:t>
-            </a:r>
-            <a:endParaRPr lang="fa-IR" dirty="0"/>
-          </a:p>
-        </p:txBody>
-      </p:sp>
-      <p:sp>
-        <p:nvSpPr>
-          <p:cNvPr id="3" name="Content Placeholder 2">
+              <a:t>Black hole and beyond</a:t>
+            </a:r>
+          </a:p>
+        </p:txBody>
+      </p:sp>
+      <p:pic>
+        <p:nvPicPr>
+          <p:cNvPr id="7" name="Content Placeholder 6">
             <a:extLst>
               <a:ext uri="{FF2B5EF4-FFF2-40B4-BE49-F238E27FC236}">
-                <a16:creationId xmlns:a16="http://schemas.microsoft.com/office/drawing/2014/main" id="{2FB4597B-AAD8-4652-8A60-1464420691D2}"/>
+                <a16:creationId xmlns:a16="http://schemas.microsoft.com/office/drawing/2014/main" id="{4C836C4B-7AC3-4AA7-90A2-B1CB2A9680D2}"/>
               </a:ext>
             </a:extLst>
           </p:cNvPr>
-          <p:cNvSpPr>
-            <a:spLocks noGrp="1"/>
-          </p:cNvSpPr>
+          <p:cNvPicPr>
+            <a:picLocks noGrp="1" noChangeAspect="1"/>
+          </p:cNvPicPr>
           <p:nvPr>
             <p:ph idx="1"/>
           </p:nvPr>
-        </p:nvSpPr>
-        <p:spPr/>
-        <p:txBody>
-          <a:bodyPr/>
-          <a:lstStyle/>
-          <a:p>
-            <a:r>
-              <a:rPr lang="en-US" dirty="0"/>
-              <a:t>Async/await</a:t>
-            </a:r>
-          </a:p>
-          <a:p>
-            <a:pPr lvl="1"/>
-            <a:r>
-              <a:rPr lang="en-US" dirty="0"/>
-              <a:t>We can await on functions that returns a promise</a:t>
-            </a:r>
-          </a:p>
-          <a:p>
-            <a:pPr lvl="1"/>
-            <a:r>
-              <a:rPr lang="en-US" dirty="0"/>
-              <a:t>Whenever you use await, you have to wrapped it (decorate it) with async function</a:t>
-            </a:r>
-          </a:p>
-          <a:p>
-            <a:pPr lvl="1"/>
-            <a:r>
-              <a:rPr lang="en-US" dirty="0"/>
-              <a:t>How about error handling?</a:t>
-            </a:r>
-          </a:p>
-          <a:p>
-            <a:pPr lvl="2"/>
-            <a:r>
-              <a:rPr lang="en-US" dirty="0"/>
-              <a:t>try/catch</a:t>
-            </a:r>
-          </a:p>
-          <a:p>
-            <a:pPr lvl="1"/>
-            <a:endParaRPr lang="fa-IR" dirty="0"/>
-          </a:p>
-        </p:txBody>
-      </p:sp>
+        </p:nvPicPr>
+        <p:blipFill>
+          <a:blip r:embed="rId2"/>
+          <a:stretch>
+            <a:fillRect/>
+          </a:stretch>
+        </p:blipFill>
+        <p:spPr>
+          <a:xfrm>
+            <a:off x="2892347" y="1620838"/>
+            <a:ext cx="6397780" cy="4597400"/>
+          </a:xfrm>
+        </p:spPr>
+      </p:pic>
       <p:sp>
         <p:nvSpPr>
           <p:cNvPr id="4" name="Footer Placeholder 3">
             <a:extLst>
               <a:ext uri="{FF2B5EF4-FFF2-40B4-BE49-F238E27FC236}">
-                <a16:creationId xmlns:a16="http://schemas.microsoft.com/office/drawing/2014/main" id="{7FBB73E0-FFB7-4262-9CE8-2442F94BFFA5}"/>
+                <a16:creationId xmlns:a16="http://schemas.microsoft.com/office/drawing/2014/main" id="{3C18086B-1358-43D1-B6F8-775BA32238E5}"/>
               </a:ext>
             </a:extLst>
           </p:cNvPr>
@@ -8301,7 +9574,7 @@
           <p:cNvPr id="5" name="Slide Number Placeholder 4">
             <a:extLst>
               <a:ext uri="{FF2B5EF4-FFF2-40B4-BE49-F238E27FC236}">
-                <a16:creationId xmlns:a16="http://schemas.microsoft.com/office/drawing/2014/main" id="{75E085F7-5F8D-4F7F-878D-604803EA6FBA}"/>
+                <a16:creationId xmlns:a16="http://schemas.microsoft.com/office/drawing/2014/main" id="{6BAF2855-5B03-4949-A3CA-FD819F02BF59}"/>
               </a:ext>
             </a:extLst>
           </p:cNvPr>
@@ -8328,7 +9601,7 @@
     </p:spTree>
     <p:extLst>
       <p:ext uri="{BB962C8B-B14F-4D97-AF65-F5344CB8AC3E}">
-        <p14:creationId xmlns:p14="http://schemas.microsoft.com/office/powerpoint/2010/main" val="408487424"/>
+        <p14:creationId xmlns:p14="http://schemas.microsoft.com/office/powerpoint/2010/main" val="1267928473"/>
       </p:ext>
     </p:extLst>
   </p:cSld>
@@ -8360,7 +9633,7 @@
           <p:cNvPr id="2" name="Title 1">
             <a:extLst>
               <a:ext uri="{FF2B5EF4-FFF2-40B4-BE49-F238E27FC236}">
-                <a16:creationId xmlns:a16="http://schemas.microsoft.com/office/drawing/2014/main" id="{618EECB2-CE8D-4E0E-9C6D-BED7688A12E6}"/>
+                <a16:creationId xmlns:a16="http://schemas.microsoft.com/office/drawing/2014/main" id="{E3657C10-6D84-4839-8BD2-286D35E54591}"/>
               </a:ext>
             </a:extLst>
           </p:cNvPr>
@@ -8378,9 +9651,8 @@
           <a:p>
             <a:r>
               <a:rPr lang="en-US" dirty="0"/>
-              <a:t>Exercise</a:t>
-            </a:r>
-            <a:endParaRPr lang="fa-IR" dirty="0"/>
+              <a:t>Demo</a:t>
+            </a:r>
           </a:p>
         </p:txBody>
       </p:sp>
@@ -8389,7 +9661,7 @@
           <p:cNvPr id="3" name="Content Placeholder 2">
             <a:extLst>
               <a:ext uri="{FF2B5EF4-FFF2-40B4-BE49-F238E27FC236}">
-                <a16:creationId xmlns:a16="http://schemas.microsoft.com/office/drawing/2014/main" id="{FE8763E7-5CAA-4495-827F-275AE6D64888}"/>
+                <a16:creationId xmlns:a16="http://schemas.microsoft.com/office/drawing/2014/main" id="{66E43B26-7A93-4B1F-8EA5-3BBE95995CD3}"/>
               </a:ext>
             </a:extLst>
           </p:cNvPr>
@@ -8402,10 +9674,106 @@
         </p:nvSpPr>
         <p:spPr/>
         <p:txBody>
-          <a:bodyPr/>
-          <a:lstStyle/>
-          <a:p>
-            <a:endParaRPr lang="fa-IR" dirty="0"/>
+          <a:bodyPr>
+            <a:normAutofit fontScale="92500" lnSpcReduction="10000"/>
+          </a:bodyPr>
+          <a:lstStyle/>
+          <a:p>
+            <a:r>
+              <a:rPr lang="en-US" sz="2100" dirty="0">
+                <a:latin typeface="Consolas" panose="020B0609020204030204" pitchFamily="49" charset="0"/>
+              </a:rPr>
+              <a:t>.gitignore</a:t>
+            </a:r>
+          </a:p>
+          <a:p>
+            <a:r>
+              <a:rPr lang="en-US" dirty="0"/>
+              <a:t>Semantic versioning (</a:t>
+            </a:r>
+            <a:r>
+              <a:rPr lang="en-US" sz="2100" dirty="0" err="1">
+                <a:latin typeface="Consolas" panose="020B0609020204030204" pitchFamily="49" charset="0"/>
+              </a:rPr>
+              <a:t>SemVer</a:t>
+            </a:r>
+            <a:r>
+              <a:rPr lang="en-US" dirty="0"/>
+              <a:t>)</a:t>
+            </a:r>
+          </a:p>
+          <a:p>
+            <a:pPr lvl="1"/>
+            <a:r>
+              <a:rPr lang="en-US" dirty="0">
+                <a:latin typeface="Consolas" panose="020B0609020204030204" pitchFamily="49" charset="0"/>
+              </a:rPr>
+              <a:t>Major.Minor.Patch</a:t>
+            </a:r>
+          </a:p>
+          <a:p>
+            <a:pPr lvl="2"/>
+            <a:r>
+              <a:rPr lang="en-US" dirty="0"/>
+              <a:t>Bug fixes</a:t>
+            </a:r>
+          </a:p>
+          <a:p>
+            <a:pPr lvl="2"/>
+            <a:r>
+              <a:rPr lang="en-US" dirty="0"/>
+              <a:t>New features (without breakchange)</a:t>
+            </a:r>
+          </a:p>
+          <a:p>
+            <a:pPr lvl="2"/>
+            <a:r>
+              <a:rPr lang="en-US" dirty="0"/>
+              <a:t>Breakchange</a:t>
+            </a:r>
+          </a:p>
+          <a:p>
+            <a:pPr lvl="1"/>
+            <a:r>
+              <a:rPr lang="en-US" dirty="0">
+                <a:latin typeface="Consolas" panose="020B0609020204030204" pitchFamily="49" charset="0"/>
+              </a:rPr>
+              <a:t>^4.13.6 = 4.x</a:t>
+            </a:r>
+          </a:p>
+          <a:p>
+            <a:pPr lvl="1"/>
+            <a:r>
+              <a:rPr lang="en-US" dirty="0">
+                <a:latin typeface="Consolas" panose="020B0609020204030204" pitchFamily="49" charset="0"/>
+              </a:rPr>
+              <a:t>~4.13.6 = 4.13.x</a:t>
+            </a:r>
+          </a:p>
+          <a:p>
+            <a:pPr lvl="1"/>
+            <a:r>
+              <a:rPr lang="en-US" dirty="0"/>
+              <a:t>How to find the exact version?</a:t>
+            </a:r>
+          </a:p>
+          <a:p>
+            <a:pPr lvl="2"/>
+            <a:r>
+              <a:rPr lang="en-US" sz="2100" dirty="0">
+                <a:latin typeface="Consolas" panose="020B0609020204030204" pitchFamily="49" charset="0"/>
+              </a:rPr>
+              <a:t>npm list</a:t>
+            </a:r>
+          </a:p>
+          <a:p>
+            <a:pPr lvl="2"/>
+            <a:r>
+              <a:rPr lang="en-US" sz="2100" dirty="0">
+                <a:latin typeface="Consolas" panose="020B0609020204030204" pitchFamily="49" charset="0"/>
+              </a:rPr>
+              <a:t>npm list --depth=0</a:t>
+            </a:r>
           </a:p>
         </p:txBody>
       </p:sp>
@@ -8414,7 +9782,7 @@
           <p:cNvPr id="4" name="Footer Placeholder 3">
             <a:extLst>
               <a:ext uri="{FF2B5EF4-FFF2-40B4-BE49-F238E27FC236}">
-                <a16:creationId xmlns:a16="http://schemas.microsoft.com/office/drawing/2014/main" id="{D20DC7A5-9582-442F-85E7-7F12B3FEFF5F}"/>
+                <a16:creationId xmlns:a16="http://schemas.microsoft.com/office/drawing/2014/main" id="{ED5951EE-04C6-4032-B938-76EF77C1B159}"/>
               </a:ext>
             </a:extLst>
           </p:cNvPr>
@@ -8443,7 +9811,7 @@
           <p:cNvPr id="5" name="Slide Number Placeholder 4">
             <a:extLst>
               <a:ext uri="{FF2B5EF4-FFF2-40B4-BE49-F238E27FC236}">
-                <a16:creationId xmlns:a16="http://schemas.microsoft.com/office/drawing/2014/main" id="{EB28FDFC-FD23-4283-A72D-CB30DC814739}"/>
+                <a16:creationId xmlns:a16="http://schemas.microsoft.com/office/drawing/2014/main" id="{748B0AC8-ED97-4C39-8ECB-3F085FCC566C}"/>
               </a:ext>
             </a:extLst>
           </p:cNvPr>
@@ -8470,7 +9838,311 @@
     </p:spTree>
     <p:extLst>
       <p:ext uri="{BB962C8B-B14F-4D97-AF65-F5344CB8AC3E}">
-        <p14:creationId xmlns:p14="http://schemas.microsoft.com/office/powerpoint/2010/main" val="1532252221"/>
+        <p14:creationId xmlns:p14="http://schemas.microsoft.com/office/powerpoint/2010/main" val="2840632502"/>
+      </p:ext>
+    </p:extLst>
+  </p:cSld>
+  <p:clrMapOvr>
+    <a:masterClrMapping/>
+  </p:clrMapOvr>
+</p:sld>
+</file>
+
+<file path=ppt/slides/slide9.xml><?xml version="1.0" encoding="utf-8"?>
+<p:sld xmlns:a="http://schemas.openxmlformats.org/drawingml/2006/main" xmlns:r="http://schemas.openxmlformats.org/officeDocument/2006/relationships" xmlns:p="http://schemas.openxmlformats.org/presentationml/2006/main">
+  <p:cSld>
+    <p:spTree>
+      <p:nvGrpSpPr>
+        <p:cNvPr id="1" name=""/>
+        <p:cNvGrpSpPr/>
+        <p:nvPr/>
+      </p:nvGrpSpPr>
+      <p:grpSpPr>
+        <a:xfrm>
+          <a:off x="0" y="0"/>
+          <a:ext cx="0" cy="0"/>
+          <a:chOff x="0" y="0"/>
+          <a:chExt cx="0" cy="0"/>
+        </a:xfrm>
+      </p:grpSpPr>
+      <p:sp>
+        <p:nvSpPr>
+          <p:cNvPr id="2" name="Title 1">
+            <a:extLst>
+              <a:ext uri="{FF2B5EF4-FFF2-40B4-BE49-F238E27FC236}">
+                <a16:creationId xmlns:a16="http://schemas.microsoft.com/office/drawing/2014/main" id="{041B8C07-0EA7-422D-8314-9BF4C86EA6F8}"/>
+              </a:ext>
+            </a:extLst>
+          </p:cNvPr>
+          <p:cNvSpPr>
+            <a:spLocks noGrp="1"/>
+          </p:cNvSpPr>
+          <p:nvPr>
+            <p:ph type="title"/>
+          </p:nvPr>
+        </p:nvSpPr>
+        <p:spPr/>
+        <p:txBody>
+          <a:bodyPr/>
+          <a:lstStyle/>
+          <a:p>
+            <a:r>
+              <a:rPr lang="en-US" dirty="0"/>
+              <a:t>Demo</a:t>
+            </a:r>
+          </a:p>
+        </p:txBody>
+      </p:sp>
+      <p:sp>
+        <p:nvSpPr>
+          <p:cNvPr id="3" name="Content Placeholder 2">
+            <a:extLst>
+              <a:ext uri="{FF2B5EF4-FFF2-40B4-BE49-F238E27FC236}">
+                <a16:creationId xmlns:a16="http://schemas.microsoft.com/office/drawing/2014/main" id="{4FE7A419-FF02-44A0-854C-338CEEC18174}"/>
+              </a:ext>
+            </a:extLst>
+          </p:cNvPr>
+          <p:cNvSpPr>
+            <a:spLocks noGrp="1"/>
+          </p:cNvSpPr>
+          <p:nvPr>
+            <p:ph idx="1"/>
+          </p:nvPr>
+        </p:nvSpPr>
+        <p:spPr/>
+        <p:txBody>
+          <a:bodyPr>
+            <a:normAutofit fontScale="92500" lnSpcReduction="20000"/>
+          </a:bodyPr>
+          <a:lstStyle/>
+          <a:p>
+            <a:r>
+              <a:rPr lang="en-US" dirty="0">
+                <a:latin typeface="Consolas" panose="020B0609020204030204" pitchFamily="49" charset="0"/>
+              </a:rPr>
+              <a:t>npm view got</a:t>
+            </a:r>
+            <a:r>
+              <a:rPr lang="en-US" dirty="0"/>
+              <a:t> </a:t>
+            </a:r>
+            <a:r>
+              <a:rPr lang="en-US" dirty="0">
+                <a:latin typeface="Consolas" panose="020B0609020204030204" pitchFamily="49" charset="0"/>
+              </a:rPr>
+              <a:t>[</a:t>
+            </a:r>
+            <a:r>
+              <a:rPr lang="en-US" dirty="0" err="1">
+                <a:latin typeface="Consolas" panose="020B0609020204030204" pitchFamily="49" charset="0"/>
+              </a:rPr>
+              <a:t>versions|dependencies</a:t>
+            </a:r>
+            <a:r>
+              <a:rPr lang="en-US" dirty="0">
+                <a:latin typeface="Consolas" panose="020B0609020204030204" pitchFamily="49" charset="0"/>
+              </a:rPr>
+              <a:t>]</a:t>
+            </a:r>
+          </a:p>
+          <a:p>
+            <a:r>
+              <a:rPr lang="en-US" dirty="0"/>
+              <a:t>Install specific version</a:t>
+            </a:r>
+          </a:p>
+          <a:p>
+            <a:pPr lvl="1"/>
+            <a:r>
+              <a:rPr lang="en-US" sz="2300" dirty="0">
+                <a:latin typeface="Consolas" panose="020B0609020204030204" pitchFamily="49" charset="0"/>
+              </a:rPr>
+              <a:t>npm </a:t>
+            </a:r>
+            <a:r>
+              <a:rPr lang="en-US" sz="2300" dirty="0" err="1">
+                <a:latin typeface="Consolas" panose="020B0609020204030204" pitchFamily="49" charset="0"/>
+              </a:rPr>
+              <a:t>i</a:t>
+            </a:r>
+            <a:r>
+              <a:rPr lang="en-US" sz="2300" dirty="0">
+                <a:latin typeface="Consolas" panose="020B0609020204030204" pitchFamily="49" charset="0"/>
+              </a:rPr>
+              <a:t> got@1.1.1</a:t>
+            </a:r>
+          </a:p>
+          <a:p>
+            <a:r>
+              <a:rPr lang="en-US" dirty="0">
+                <a:latin typeface="Consolas" panose="020B0609020204030204" pitchFamily="49" charset="0"/>
+              </a:rPr>
+              <a:t>npm outdated</a:t>
+            </a:r>
+          </a:p>
+          <a:p>
+            <a:r>
+              <a:rPr lang="en-US" dirty="0"/>
+              <a:t>Dev dependencies</a:t>
+            </a:r>
+          </a:p>
+          <a:p>
+            <a:pPr lvl="1"/>
+            <a:r>
+              <a:rPr lang="en-US" sz="2300" dirty="0">
+                <a:latin typeface="Consolas" panose="020B0609020204030204" pitchFamily="49" charset="0"/>
+              </a:rPr>
+              <a:t>--save-dev</a:t>
+            </a:r>
+          </a:p>
+          <a:p>
+            <a:r>
+              <a:rPr lang="en-US" dirty="0">
+                <a:latin typeface="Consolas" panose="020B0609020204030204" pitchFamily="49" charset="0"/>
+              </a:rPr>
+              <a:t>npm uninstall</a:t>
+            </a:r>
+          </a:p>
+          <a:p>
+            <a:r>
+              <a:rPr lang="en-US" dirty="0"/>
+              <a:t>Global packages (</a:t>
+            </a:r>
+            <a:r>
+              <a:rPr lang="en-US" dirty="0">
+                <a:latin typeface="Consolas" panose="020B0609020204030204" pitchFamily="49" charset="0"/>
+              </a:rPr>
+              <a:t>-g</a:t>
+            </a:r>
+            <a:r>
+              <a:rPr lang="en-US" dirty="0"/>
+              <a:t>)</a:t>
+            </a:r>
+          </a:p>
+          <a:p>
+            <a:pPr lvl="1"/>
+            <a:r>
+              <a:rPr lang="en-US" sz="2300" dirty="0">
+                <a:latin typeface="Consolas" panose="020B0609020204030204" pitchFamily="49" charset="0"/>
+              </a:rPr>
+              <a:t>npm </a:t>
+            </a:r>
+            <a:r>
+              <a:rPr lang="en-US" sz="2300" dirty="0" err="1">
+                <a:latin typeface="Consolas" panose="020B0609020204030204" pitchFamily="49" charset="0"/>
+              </a:rPr>
+              <a:t>i</a:t>
+            </a:r>
+            <a:r>
+              <a:rPr lang="en-US" sz="2300" dirty="0">
+                <a:latin typeface="Consolas" panose="020B0609020204030204" pitchFamily="49" charset="0"/>
+              </a:rPr>
+              <a:t> -g npm</a:t>
+            </a:r>
+          </a:p>
+          <a:p>
+            <a:pPr lvl="1"/>
+            <a:r>
+              <a:rPr lang="en-US" sz="2300" dirty="0">
+                <a:latin typeface="Consolas" panose="020B0609020204030204" pitchFamily="49" charset="0"/>
+              </a:rPr>
+              <a:t>npm -g outdated</a:t>
+            </a:r>
+          </a:p>
+          <a:p>
+            <a:pPr lvl="1"/>
+            <a:r>
+              <a:rPr lang="en-US" sz="2300" dirty="0">
+                <a:latin typeface="Consolas" panose="020B0609020204030204" pitchFamily="49" charset="0"/>
+              </a:rPr>
+              <a:t>npm </a:t>
+            </a:r>
+            <a:r>
+              <a:rPr lang="en-US" sz="2300" dirty="0" err="1">
+                <a:latin typeface="Consolas" panose="020B0609020204030204" pitchFamily="49" charset="0"/>
+              </a:rPr>
+              <a:t>i</a:t>
+            </a:r>
+            <a:r>
+              <a:rPr lang="en-US" sz="2300" dirty="0">
+                <a:latin typeface="Consolas" panose="020B0609020204030204" pitchFamily="49" charset="0"/>
+              </a:rPr>
+              <a:t> -g git-</a:t>
+            </a:r>
+            <a:r>
+              <a:rPr lang="en-US" sz="2300" dirty="0" err="1">
+                <a:latin typeface="Consolas" panose="020B0609020204030204" pitchFamily="49" charset="0"/>
+              </a:rPr>
+              <a:t>cz</a:t>
+            </a:r>
+            <a:endParaRPr lang="en-US" sz="2300" dirty="0">
+              <a:latin typeface="Consolas" panose="020B0609020204030204" pitchFamily="49" charset="0"/>
+            </a:endParaRPr>
+          </a:p>
+        </p:txBody>
+      </p:sp>
+      <p:sp>
+        <p:nvSpPr>
+          <p:cNvPr id="4" name="Footer Placeholder 3">
+            <a:extLst>
+              <a:ext uri="{FF2B5EF4-FFF2-40B4-BE49-F238E27FC236}">
+                <a16:creationId xmlns:a16="http://schemas.microsoft.com/office/drawing/2014/main" id="{5581DFDF-07B0-4FBD-8F00-142AB3FE06A3}"/>
+              </a:ext>
+            </a:extLst>
+          </p:cNvPr>
+          <p:cNvSpPr>
+            <a:spLocks noGrp="1"/>
+          </p:cNvSpPr>
+          <p:nvPr>
+            <p:ph type="ftr" sz="quarter" idx="11"/>
+          </p:nvPr>
+        </p:nvSpPr>
+        <p:spPr/>
+        <p:txBody>
+          <a:bodyPr/>
+          <a:lstStyle/>
+          <a:p>
+            <a:r>
+              <a:rPr lang="en-US"/>
+              <a:t>Nodejs Basics</a:t>
+            </a:r>
+            <a:endParaRPr lang="en-US" dirty="0"/>
+          </a:p>
+        </p:txBody>
+      </p:sp>
+      <p:sp>
+        <p:nvSpPr>
+          <p:cNvPr id="5" name="Slide Number Placeholder 4">
+            <a:extLst>
+              <a:ext uri="{FF2B5EF4-FFF2-40B4-BE49-F238E27FC236}">
+                <a16:creationId xmlns:a16="http://schemas.microsoft.com/office/drawing/2014/main" id="{F64A8A4D-D456-4E5D-BDE8-8D5C0B3AE139}"/>
+              </a:ext>
+            </a:extLst>
+          </p:cNvPr>
+          <p:cNvSpPr>
+            <a:spLocks noGrp="1"/>
+          </p:cNvSpPr>
+          <p:nvPr>
+            <p:ph type="sldNum" sz="quarter" idx="12"/>
+          </p:nvPr>
+        </p:nvSpPr>
+        <p:spPr/>
+        <p:txBody>
+          <a:bodyPr/>
+          <a:lstStyle/>
+          <a:p>
+            <a:fld id="{3A98EE3D-8CD1-4C3F-BD1C-C98C9596463C}" type="slidenum">
+              <a:rPr lang="en-US" smtClean="0"/>
+              <a:t>9</a:t>
+            </a:fld>
+            <a:endParaRPr lang="en-US" dirty="0"/>
+          </a:p>
+        </p:txBody>
+      </p:sp>
+    </p:spTree>
+    <p:extLst>
+      <p:ext uri="{BB962C8B-B14F-4D97-AF65-F5344CB8AC3E}">
+        <p14:creationId xmlns:p14="http://schemas.microsoft.com/office/powerpoint/2010/main" val="2238782828"/>
       </p:ext>
     </p:extLst>
   </p:cSld>

--- a/nodejs-basics-03.pptx
+++ b/nodejs-basics-03.pptx
@@ -212,7 +212,7 @@
           <a:p>
             <a:fld id="{9B9ECB28-6A22-4037-9487-F3F739F744D6}" type="datetimeFigureOut">
               <a:rPr lang="en-US" smtClean="0"/>
-              <a:t>11/29/2021</a:t>
+              <a:t>12/1/2021</a:t>
             </a:fld>
             <a:endParaRPr lang="en-US"/>
           </a:p>
@@ -977,7 +977,7 @@
           <a:p>
             <a:fld id="{19B6F524-99F3-4BEA-ACD7-976EF4D36657}" type="datetime1">
               <a:rPr lang="en-US" smtClean="0"/>
-              <a:t>11/29/2021</a:t>
+              <a:t>12/1/2021</a:t>
             </a:fld>
             <a:endParaRPr lang="en-US" dirty="0"/>
           </a:p>
@@ -1286,7 +1286,7 @@
           <a:p>
             <a:fld id="{2145C3A9-05D9-428D-9788-A7F14838F6F9}" type="datetime1">
               <a:rPr lang="en-US" smtClean="0"/>
-              <a:t>11/29/2021</a:t>
+              <a:t>12/1/2021</a:t>
             </a:fld>
             <a:endParaRPr lang="en-US" dirty="0"/>
           </a:p>
@@ -1484,7 +1484,7 @@
           <a:p>
             <a:fld id="{82C701FB-B03E-4981-A9F8-99B474DD173A}" type="datetime1">
               <a:rPr lang="en-US" smtClean="0"/>
-              <a:t>11/29/2021</a:t>
+              <a:t>12/1/2021</a:t>
             </a:fld>
             <a:endParaRPr lang="en-US" dirty="0"/>
           </a:p>
@@ -1751,7 +1751,7 @@
           <a:p>
             <a:fld id="{7A7E8EF3-CBF7-4EB9-B6E5-3754574E3433}" type="datetime1">
               <a:rPr lang="en-US" smtClean="0"/>
-              <a:t>11/29/2021</a:t>
+              <a:t>12/1/2021</a:t>
             </a:fld>
             <a:endParaRPr lang="en-US" dirty="0"/>
           </a:p>
@@ -2191,7 +2191,7 @@
           <a:p>
             <a:fld id="{DA8A4A96-31AC-487C-9F15-1822D58542B7}" type="datetime1">
               <a:rPr lang="en-US" smtClean="0"/>
-              <a:t>11/29/2021</a:t>
+              <a:t>12/1/2021</a:t>
             </a:fld>
             <a:endParaRPr lang="en-US" dirty="0"/>
           </a:p>
@@ -2732,7 +2732,7 @@
           <a:p>
             <a:fld id="{FBBF9546-09C4-4F24-A284-5B81FF8659B4}" type="datetime1">
               <a:rPr lang="en-US" smtClean="0"/>
-              <a:t>11/29/2021</a:t>
+              <a:t>12/1/2021</a:t>
             </a:fld>
             <a:endParaRPr lang="en-US" dirty="0"/>
           </a:p>
@@ -3618,7 +3618,7 @@
           <a:p>
             <a:fld id="{5BF4405D-15A5-450B-B053-484859B9C8F7}" type="datetime1">
               <a:rPr lang="en-US" smtClean="0"/>
-              <a:t>11/29/2021</a:t>
+              <a:t>12/1/2021</a:t>
             </a:fld>
             <a:endParaRPr lang="en-US" dirty="0"/>
           </a:p>
@@ -3792,7 +3792,7 @@
           <a:p>
             <a:fld id="{E0366559-EC21-40C1-8A65-9A3B4EA78391}" type="datetime1">
               <a:rPr lang="en-US" smtClean="0"/>
-              <a:t>11/29/2021</a:t>
+              <a:t>12/1/2021</a:t>
             </a:fld>
             <a:endParaRPr lang="en-US" dirty="0"/>
           </a:p>
@@ -3980,7 +3980,7 @@
           <a:p>
             <a:fld id="{4F09CA92-695C-4FFA-8E37-4D2C288BCC04}" type="datetime1">
               <a:rPr lang="en-US" smtClean="0"/>
-              <a:t>11/29/2021</a:t>
+              <a:t>12/1/2021</a:t>
             </a:fld>
             <a:endParaRPr lang="en-US" dirty="0"/>
           </a:p>
@@ -4154,7 +4154,7 @@
           <a:p>
             <a:fld id="{CA551262-FC07-4FE4-9221-F72F7D4F209A}" type="datetime1">
               <a:rPr lang="en-US" smtClean="0"/>
-              <a:t>11/29/2021</a:t>
+              <a:t>12/1/2021</a:t>
             </a:fld>
             <a:endParaRPr lang="en-US" dirty="0"/>
           </a:p>
@@ -4402,7 +4402,7 @@
           <a:p>
             <a:fld id="{46A321E4-8899-4F7D-BEB1-BD52626ABD8D}" type="datetime1">
               <a:rPr lang="en-US" smtClean="0"/>
-              <a:t>11/29/2021</a:t>
+              <a:t>12/1/2021</a:t>
             </a:fld>
             <a:endParaRPr lang="en-US" dirty="0"/>
           </a:p>
@@ -4648,7 +4648,7 @@
           <a:p>
             <a:fld id="{B53F6DFA-8A0E-4513-867D-18B9AA66B23C}" type="datetime1">
               <a:rPr lang="en-US" smtClean="0"/>
-              <a:t>11/29/2021</a:t>
+              <a:t>12/1/2021</a:t>
             </a:fld>
             <a:endParaRPr lang="en-US" dirty="0"/>
           </a:p>
@@ -5135,7 +5135,7 @@
           <a:p>
             <a:fld id="{154283A7-B9AC-454B-A468-44B75A398B49}" type="datetime1">
               <a:rPr lang="en-US" smtClean="0"/>
-              <a:t>11/29/2021</a:t>
+              <a:t>12/1/2021</a:t>
             </a:fld>
             <a:endParaRPr lang="en-US" dirty="0"/>
           </a:p>
@@ -5257,7 +5257,7 @@
           <a:p>
             <a:fld id="{A3F8184D-DEDD-48A0-9ACA-5F6ED9EFE5B8}" type="datetime1">
               <a:rPr lang="en-US" smtClean="0"/>
-              <a:t>11/29/2021</a:t>
+              <a:t>12/1/2021</a:t>
             </a:fld>
             <a:endParaRPr lang="en-US" dirty="0"/>
           </a:p>
@@ -5356,7 +5356,7 @@
           <a:p>
             <a:fld id="{BF38AC0E-F520-48F3-BA14-8BAB82D735FB}" type="datetime1">
               <a:rPr lang="en-US" smtClean="0"/>
-              <a:t>11/29/2021</a:t>
+              <a:t>12/1/2021</a:t>
             </a:fld>
             <a:endParaRPr lang="en-US" dirty="0"/>
           </a:p>
@@ -5615,7 +5615,7 @@
           <a:p>
             <a:fld id="{317D0F2A-2724-4AD4-BF4C-A7B1910D9412}" type="datetime1">
               <a:rPr lang="en-US" smtClean="0"/>
-              <a:t>11/29/2021</a:t>
+              <a:t>12/1/2021</a:t>
             </a:fld>
             <a:endParaRPr lang="en-US" dirty="0"/>
           </a:p>
@@ -5926,7 +5926,7 @@
           <a:p>
             <a:fld id="{9A0B82A5-4A21-4F82-91DB-989CE997E82E}" type="datetime1">
               <a:rPr lang="en-US" smtClean="0"/>
-              <a:t>11/29/2021</a:t>
+              <a:t>12/1/2021</a:t>
             </a:fld>
             <a:endParaRPr lang="en-US" dirty="0"/>
           </a:p>
@@ -6163,7 +6163,7 @@
           <a:p>
             <a:fld id="{01BFEF8A-AE08-4951-B923-589F814B0C31}" type="datetime1">
               <a:rPr lang="en-US" smtClean="0"/>
-              <a:t>11/29/2021</a:t>
+              <a:t>12/1/2021</a:t>
             </a:fld>
             <a:endParaRPr lang="en-US" dirty="0"/>
           </a:p>
@@ -6981,7 +6981,7 @@
           <a:p>
             <a:r>
               <a:rPr lang="en-US" sz="2800" dirty="0"/>
-              <a:t>03 – Node Modules</a:t>
+              <a:t>03 – NPM &amp; Asynchronous js</a:t>
             </a:r>
           </a:p>
         </p:txBody>
